--- a/Specifiche.pptx
+++ b/Specifiche.pptx
@@ -173,6 +173,9 @@
           </p14:sldIdLst>
         </p14:section>
       </p14:sectionLst>
+    </p:ext>
+    <p:ext uri="{EFAFB233-063F-42B5-8137-9DF3F51BA10A}">
+      <p15:sldGuideLst xmlns:p15="http://schemas.microsoft.com/office/powerpoint/2012/main"/>
     </p:ext>
   </p:extLst>
 </p:presentation>
@@ -28642,13 +28645,18 @@
           <a:p>
             <a:r>
               <a:rPr lang="it-IT" dirty="0"/>
-              <a:t>Latitudine (double)</a:t>
+              <a:t>Latitudine (double), Longitudine (double)</a:t>
             </a:r>
           </a:p>
           <a:p>
+            <a:pPr lvl="1"/>
             <a:r>
-              <a:rPr lang="it-IT" dirty="0"/>
-              <a:t>Longitudine (double)</a:t>
+              <a:rPr lang="it-IT" dirty="0">
+                <a:solidFill>
+                  <a:srgbClr val="FF0000"/>
+                </a:solidFill>
+              </a:rPr>
+              <a:t>Ipotesi: utilizzare il dato «geography», ipotizzando di usare SQL Database (implica legame con SQL Database, ma favorisce una implementazione più performante)</a:t>
             </a:r>
           </a:p>
           <a:p>
@@ -30191,13 +30199,13 @@
 
 <file path=customXml/item1.xml><?xml version="1.0" encoding="utf-8"?>
 <Control xmlns="http://schemas.microsoft.com/VisualStudio/2011/storyboarding/control">
-  <Id Name="System.Storyboarding.Backgrounds.WebBrowser" Revision="1" Stencil="System.Storyboarding.Backgrounds" StencilVersion="0.1"/>
+  <Id Name="System.Storyboarding.Common.Text" Revision="1" Stencil="System.Storyboarding.Common" StencilVersion="0.1"/>
 </Control>
 </file>
 
 <file path=customXml/item10.xml><?xml version="1.0" encoding="utf-8"?>
 <Control xmlns="http://schemas.microsoft.com/VisualStudio/2011/storyboarding/control">
-  <Id Name="System.Storyboarding.Common.TextInput" Revision="1" Stencil="System.Storyboarding.Common" StencilVersion="0.1"/>
+  <Id Name="System.Storyboarding.Common.Text" Revision="1" Stencil="System.Storyboarding.Common" StencilVersion="0.1"/>
 </Control>
 </file>
 
@@ -30209,13 +30217,13 @@
 
 <file path=customXml/item12.xml><?xml version="1.0" encoding="utf-8"?>
 <Control xmlns="http://schemas.microsoft.com/VisualStudio/2011/storyboarding/control">
-  <Id Name="System.Storyboarding.Common.Text" Revision="1" Stencil="System.Storyboarding.Common" StencilVersion="0.1"/>
+  <Id Name="System.Storyboarding.Media.WebCam" Revision="1" Stencil="System.Storyboarding.Media" StencilVersion="0.1"/>
 </Control>
 </file>
 
 <file path=customXml/item13.xml><?xml version="1.0" encoding="utf-8"?>
 <Control xmlns="http://schemas.microsoft.com/VisualStudio/2011/storyboarding/control">
-  <Id Name="System.Storyboarding.Common.Text" Revision="1" Stencil="System.Storyboarding.Common" StencilVersion="0.1"/>
+  <Id Name="System.Storyboarding.Backgrounds.WebBrowser" Revision="1" Stencil="System.Storyboarding.Backgrounds" StencilVersion="0.1"/>
 </Control>
 </file>
 
@@ -30227,19 +30235,19 @@
 
 <file path=customXml/item15.xml><?xml version="1.0" encoding="utf-8"?>
 <Control xmlns="http://schemas.microsoft.com/VisualStudio/2011/storyboarding/control">
-  <Id Name="System.Storyboarding.Common.DataGrid" Revision="1" Stencil="System.Storyboarding.Common" StencilVersion="0.1"/>
+  <Id Name="System.Storyboarding.Common.TextInput" Revision="1" Stencil="System.Storyboarding.Common" StencilVersion="0.1"/>
 </Control>
 </file>
 
 <file path=customXml/item16.xml><?xml version="1.0" encoding="utf-8"?>
 <Control xmlns="http://schemas.microsoft.com/VisualStudio/2011/storyboarding/control">
-  <Id Name="System.Storyboarding.Common.Button" Revision="1" Stencil="System.Storyboarding.Common" StencilVersion="0.1"/>
+  <Id Name="System.Storyboarding.Annotation.StickyNote" Revision="1" Stencil="System.Storyboarding.Annotation" StencilVersion="0.1"/>
 </Control>
 </file>
 
 <file path=customXml/item17.xml><?xml version="1.0" encoding="utf-8"?>
 <Control xmlns="http://schemas.microsoft.com/VisualStudio/2011/storyboarding/control">
-  <Id Name="System.Storyboarding.Common.Button" Revision="1" Stencil="System.Storyboarding.Common" StencilVersion="0.1"/>
+  <Id Name="System.Storyboarding.Common.Text" Revision="1" Stencil="System.Storyboarding.Common" StencilVersion="0.1"/>
 </Control>
 </file>
 
@@ -30251,67 +30259,67 @@
 
 <file path=customXml/item19.xml><?xml version="1.0" encoding="utf-8"?>
 <Control xmlns="http://schemas.microsoft.com/VisualStudio/2011/storyboarding/control">
-  <Id Name="System.Storyboarding.Backgrounds.WebBrowser" Revision="1" Stencil="System.Storyboarding.Backgrounds" StencilVersion="0.1"/>
+  <Id Name="System.Storyboarding.Media.LineChart" Revision="1" Stencil="System.Storyboarding.Media" StencilVersion="0.1"/>
 </Control>
 </file>
 
 <file path=customXml/item2.xml><?xml version="1.0" encoding="utf-8"?>
 <Control xmlns="http://schemas.microsoft.com/VisualStudio/2011/storyboarding/control">
-  <Id Name="System.Storyboarding.Common.TextInput" Revision="1" Stencil="System.Storyboarding.Common" StencilVersion="0.1"/>
+  <Id Name="System.Storyboarding.Common.Text" Revision="1" Stencil="System.Storyboarding.Common" StencilVersion="0.1"/>
 </Control>
 </file>
 
 <file path=customXml/item20.xml><?xml version="1.0" encoding="utf-8"?>
 <Control xmlns="http://schemas.microsoft.com/VisualStudio/2011/storyboarding/control">
-  <Id Name="System.Storyboarding.Common.Text" Revision="1" Stencil="System.Storyboarding.Common" StencilVersion="0.1"/>
+  <Id Name="System.Storyboarding.Media.MapMarker" Revision="1" Stencil="System.Storyboarding.Media" StencilVersion="0.1"/>
 </Control>
 </file>
 
 <file path=customXml/item21.xml><?xml version="1.0" encoding="utf-8"?>
 <Control xmlns="http://schemas.microsoft.com/VisualStudio/2011/storyboarding/control">
-  <Id Name="System.Storyboarding.Common.Button" Revision="1" Stencil="System.Storyboarding.Common" StencilVersion="0.1"/>
+  <Id Name="System.Storyboarding.Media.MapMarker" Revision="1" Stencil="System.Storyboarding.Media" StencilVersion="0.1"/>
 </Control>
 </file>
 
 <file path=customXml/item22.xml><?xml version="1.0" encoding="utf-8"?>
 <Control xmlns="http://schemas.microsoft.com/VisualStudio/2011/storyboarding/control">
-  <Id Name="System.Storyboarding.Common.TextInput" Revision="1" Stencil="System.Storyboarding.Common" StencilVersion="0.1"/>
+  <Id Name="System.Storyboarding.Common.Text" Revision="1" Stencil="System.Storyboarding.Common" StencilVersion="0.1"/>
 </Control>
 </file>
 
 <file path=customXml/item23.xml><?xml version="1.0" encoding="utf-8"?>
 <Control xmlns="http://schemas.microsoft.com/VisualStudio/2011/storyboarding/control">
-  <Id Name="System.Storyboarding.Common.Text" Revision="1" Stencil="System.Storyboarding.Common" StencilVersion="0.1"/>
+  <Id Name="System.Storyboarding.Media.MapMarker" Revision="1" Stencil="System.Storyboarding.Media" StencilVersion="0.1"/>
 </Control>
 </file>
 
 <file path=customXml/item24.xml><?xml version="1.0" encoding="utf-8"?>
 <Control xmlns="http://schemas.microsoft.com/VisualStudio/2011/storyboarding/control">
-  <Id Name="System.Storyboarding.Common.Text" Revision="1" Stencil="System.Storyboarding.Common" StencilVersion="0.1"/>
+  <Id Name="System.Storyboarding.Media.MapMarker" Revision="1" Stencil="System.Storyboarding.Media" StencilVersion="0.1"/>
 </Control>
 </file>
 
 <file path=customXml/item25.xml><?xml version="1.0" encoding="utf-8"?>
 <Control xmlns="http://schemas.microsoft.com/VisualStudio/2011/storyboarding/control">
-  <Id Name="System.Storyboarding.Common.Text" Revision="1" Stencil="System.Storyboarding.Common" StencilVersion="0.1"/>
+  <Id Name="System.Storyboarding.Common.Button" Revision="1" Stencil="System.Storyboarding.Common" StencilVersion="0.1"/>
 </Control>
 </file>
 
 <file path=customXml/item26.xml><?xml version="1.0" encoding="utf-8"?>
 <Control xmlns="http://schemas.microsoft.com/VisualStudio/2011/storyboarding/control">
-  <Id Name="System.Storyboarding.Common.Text" Revision="1" Stencil="System.Storyboarding.Common" StencilVersion="0.1"/>
+  <Id Name="System.Storyboarding.Media.MapMarker" Revision="1" Stencil="System.Storyboarding.Media" StencilVersion="0.1"/>
 </Control>
 </file>
 
 <file path=customXml/item27.xml><?xml version="1.0" encoding="utf-8"?>
 <Control xmlns="http://schemas.microsoft.com/VisualStudio/2011/storyboarding/control">
-  <Id Name="System.Storyboarding.Annotation.StickyNote" Revision="1" Stencil="System.Storyboarding.Annotation" StencilVersion="0.1"/>
+  <Id Name="System.Storyboarding.Media.MapMarker" Revision="1" Stencil="System.Storyboarding.Media" StencilVersion="0.1"/>
 </Control>
 </file>
 
 <file path=customXml/item28.xml><?xml version="1.0" encoding="utf-8"?>
 <Control xmlns="http://schemas.microsoft.com/VisualStudio/2011/storyboarding/control">
-  <Id Name="System.Storyboarding.Backgrounds.WebBrowser" Revision="1" Stencil="System.Storyboarding.Backgrounds" StencilVersion="0.1"/>
+  <Id Name="System.Storyboarding.Media.StreetMap" Revision="1" Stencil="System.Storyboarding.Media" StencilVersion="0.1"/>
 </Control>
 </file>
 
@@ -30335,7 +30343,7 @@
 
 <file path=customXml/item31.xml><?xml version="1.0" encoding="utf-8"?>
 <Control xmlns="http://schemas.microsoft.com/VisualStudio/2011/storyboarding/control">
-  <Id Name="System.Storyboarding.Common.Text" Revision="1" Stencil="System.Storyboarding.Common" StencilVersion="0.1"/>
+  <Id Name="System.Storyboarding.Common.Button" Revision="1" Stencil="System.Storyboarding.Common" StencilVersion="0.1"/>
 </Control>
 </file>
 
@@ -30353,25 +30361,25 @@
 
 <file path=customXml/item34.xml><?xml version="1.0" encoding="utf-8"?>
 <Control xmlns="http://schemas.microsoft.com/VisualStudio/2011/storyboarding/control">
-  <Id Name="System.Storyboarding.Annotation.StickyNote" Revision="1" Stencil="System.Storyboarding.Annotation" StencilVersion="0.1"/>
+  <Id Name="System.Storyboarding.Common.Text" Revision="1" Stencil="System.Storyboarding.Common" StencilVersion="0.1"/>
 </Control>
 </file>
 
 <file path=customXml/item35.xml><?xml version="1.0" encoding="utf-8"?>
 <Control xmlns="http://schemas.microsoft.com/VisualStudio/2011/storyboarding/control">
-  <Id Name="System.Storyboarding.Common.Button" Revision="1" Stencil="System.Storyboarding.Common" StencilVersion="0.1"/>
+  <Id Name="System.Storyboarding.Media.Image" Revision="1" Stencil="System.Storyboarding.Media" StencilVersion="0.1"/>
 </Control>
 </file>
 
 <file path=customXml/item36.xml><?xml version="1.0" encoding="utf-8"?>
 <Control xmlns="http://schemas.microsoft.com/VisualStudio/2011/storyboarding/control">
-  <Id Name="System.Storyboarding.Backgrounds.WebBrowser" Revision="1" Stencil="System.Storyboarding.Backgrounds" StencilVersion="0.1"/>
+  <Id Name="System.Storyboarding.Media.LineChart" Revision="1" Stencil="System.Storyboarding.Media" StencilVersion="0.1"/>
 </Control>
 </file>
 
 <file path=customXml/item37.xml><?xml version="1.0" encoding="utf-8"?>
 <Control xmlns="http://schemas.microsoft.com/VisualStudio/2011/storyboarding/control">
-  <Id Name="System.Storyboarding.Common.Text" Revision="1" Stencil="System.Storyboarding.Common" StencilVersion="0.1"/>
+  <Id Name="System.Storyboarding.Media.MapMarker" Revision="1" Stencil="System.Storyboarding.Media" StencilVersion="0.1"/>
 </Control>
 </file>
 
@@ -30389,13 +30397,13 @@
 
 <file path=customXml/item4.xml><?xml version="1.0" encoding="utf-8"?>
 <Control xmlns="http://schemas.microsoft.com/VisualStudio/2011/storyboarding/control">
-  <Id Name="System.Storyboarding.Common.Text" Revision="1" Stencil="System.Storyboarding.Common" StencilVersion="0.1"/>
+  <Id Name="System.Storyboarding.Media.MapMarker" Revision="1" Stencil="System.Storyboarding.Media" StencilVersion="0.1"/>
 </Control>
 </file>
 
 <file path=customXml/item40.xml><?xml version="1.0" encoding="utf-8"?>
 <Control xmlns="http://schemas.microsoft.com/VisualStudio/2011/storyboarding/control">
-  <Id Name="System.Storyboarding.Common.Text" Revision="1" Stencil="System.Storyboarding.Common" StencilVersion="0.1"/>
+  <Id Name="System.Storyboarding.Media.MapMarker" Revision="1" Stencil="System.Storyboarding.Media" StencilVersion="0.1"/>
 </Control>
 </file>
 
@@ -30407,55 +30415,55 @@
 
 <file path=customXml/item42.xml><?xml version="1.0" encoding="utf-8"?>
 <Control xmlns="http://schemas.microsoft.com/VisualStudio/2011/storyboarding/control">
-  <Id Name="System.Storyboarding.Common.Button" Revision="1" Stencil="System.Storyboarding.Common" StencilVersion="0.1"/>
+  <Id Name="System.Storyboarding.Media.MapMarker" Revision="1" Stencil="System.Storyboarding.Media" StencilVersion="0.1"/>
 </Control>
 </file>
 
 <file path=customXml/item43.xml><?xml version="1.0" encoding="utf-8"?>
 <Control xmlns="http://schemas.microsoft.com/VisualStudio/2011/storyboarding/control">
-  <Id Name="System.Storyboarding.Media.LineChart" Revision="1" Stencil="System.Storyboarding.Media" StencilVersion="0.1"/>
+  <Id Name="System.Storyboarding.Media.MapMarker" Revision="1" Stencil="System.Storyboarding.Media" StencilVersion="0.1"/>
 </Control>
 </file>
 
 <file path=customXml/item44.xml><?xml version="1.0" encoding="utf-8"?>
 <Control xmlns="http://schemas.microsoft.com/VisualStudio/2011/storyboarding/control">
-  <Id Name="System.Storyboarding.Media.Image" Revision="1" Stencil="System.Storyboarding.Media" StencilVersion="0.1"/>
+  <Id Name="System.Storyboarding.Backgrounds.WebBrowser" Revision="1" Stencil="System.Storyboarding.Backgrounds" StencilVersion="0.1"/>
 </Control>
 </file>
 
 <file path=customXml/item45.xml><?xml version="1.0" encoding="utf-8"?>
 <Control xmlns="http://schemas.microsoft.com/VisualStudio/2011/storyboarding/control">
-  <Id Name="System.Storyboarding.Media.MapMarker" Revision="1" Stencil="System.Storyboarding.Media" StencilVersion="0.1"/>
+  <Id Name="System.Storyboarding.Common.TextInput" Revision="1" Stencil="System.Storyboarding.Common" StencilVersion="0.1"/>
 </Control>
 </file>
 
 <file path=customXml/item46.xml><?xml version="1.0" encoding="utf-8"?>
 <Control xmlns="http://schemas.microsoft.com/VisualStudio/2011/storyboarding/control">
-  <Id Name="System.Storyboarding.Media.Image" Revision="1" Stencil="System.Storyboarding.Media" StencilVersion="0.1"/>
+  <Id Name="System.Storyboarding.Common.DataGrid" Revision="1" Stencil="System.Storyboarding.Common" StencilVersion="0.1"/>
 </Control>
 </file>
 
 <file path=customXml/item47.xml><?xml version="1.0" encoding="utf-8"?>
 <Control xmlns="http://schemas.microsoft.com/VisualStudio/2011/storyboarding/control">
-  <Id Name="System.Storyboarding.Media.MapMarker" Revision="1" Stencil="System.Storyboarding.Media" StencilVersion="0.1"/>
+  <Id Name="System.Storyboarding.Common.Text" Revision="1" Stencil="System.Storyboarding.Common" StencilVersion="0.1"/>
 </Control>
 </file>
 
 <file path=customXml/item48.xml><?xml version="1.0" encoding="utf-8"?>
 <Control xmlns="http://schemas.microsoft.com/VisualStudio/2011/storyboarding/control">
-  <Id Name="System.Storyboarding.Media.MapMarker" Revision="1" Stencil="System.Storyboarding.Media" StencilVersion="0.1"/>
+  <Id Name="System.Storyboarding.Backgrounds.WebBrowser" Revision="1" Stencil="System.Storyboarding.Backgrounds" StencilVersion="0.1"/>
 </Control>
 </file>
 
 <file path=customXml/item49.xml><?xml version="1.0" encoding="utf-8"?>
 <Control xmlns="http://schemas.microsoft.com/VisualStudio/2011/storyboarding/control">
-  <Id Name="System.Storyboarding.Media.MapMarker" Revision="1" Stencil="System.Storyboarding.Media" StencilVersion="0.1"/>
+  <Id Name="System.Storyboarding.Backgrounds.WebBrowser" Revision="1" Stencil="System.Storyboarding.Backgrounds" StencilVersion="0.1"/>
 </Control>
 </file>
 
 <file path=customXml/item5.xml><?xml version="1.0" encoding="utf-8"?>
 <Control xmlns="http://schemas.microsoft.com/VisualStudio/2011/storyboarding/control">
-  <Id Name="System.Storyboarding.Common.Text" Revision="1" Stencil="System.Storyboarding.Common" StencilVersion="0.1"/>
+  <Id Name="System.Storyboarding.Media.MapMarker" Revision="1" Stencil="System.Storyboarding.Media" StencilVersion="0.1"/>
 </Control>
 </file>
 
@@ -30473,19 +30481,19 @@
 
 <file path=customXml/item52.xml><?xml version="1.0" encoding="utf-8"?>
 <Control xmlns="http://schemas.microsoft.com/VisualStudio/2011/storyboarding/control">
-  <Id Name="System.Storyboarding.Media.MapMarker" Revision="1" Stencil="System.Storyboarding.Media" StencilVersion="0.1"/>
+  <Id Name="System.Storyboarding.Common.TextInput" Revision="1" Stencil="System.Storyboarding.Common" StencilVersion="0.1"/>
 </Control>
 </file>
 
 <file path=customXml/item53.xml><?xml version="1.0" encoding="utf-8"?>
 <Control xmlns="http://schemas.microsoft.com/VisualStudio/2011/storyboarding/control">
-  <Id Name="System.Storyboarding.Media.MapMarker" Revision="1" Stencil="System.Storyboarding.Media" StencilVersion="0.1"/>
+  <Id Name="System.Storyboarding.Common.Text" Revision="1" Stencil="System.Storyboarding.Common" StencilVersion="0.1"/>
 </Control>
 </file>
 
 <file path=customXml/item54.xml><?xml version="1.0" encoding="utf-8"?>
 <Control xmlns="http://schemas.microsoft.com/VisualStudio/2011/storyboarding/control">
-  <Id Name="System.Storyboarding.Media.MapMarker" Revision="1" Stencil="System.Storyboarding.Media" StencilVersion="0.1"/>
+  <Id Name="System.Storyboarding.Media.Image" Revision="1" Stencil="System.Storyboarding.Media" StencilVersion="0.1"/>
 </Control>
 </file>
 
@@ -30497,37 +30505,37 @@
 
 <file path=customXml/item56.xml><?xml version="1.0" encoding="utf-8"?>
 <Control xmlns="http://schemas.microsoft.com/VisualStudio/2011/storyboarding/control">
-  <Id Name="System.Storyboarding.Media.MapMarker" Revision="1" Stencil="System.Storyboarding.Media" StencilVersion="0.1"/>
+  <Id Name="System.Storyboarding.Backgrounds.WebBrowser" Revision="1" Stencil="System.Storyboarding.Backgrounds" StencilVersion="0.1"/>
 </Control>
 </file>
 
 <file path=customXml/item57.xml><?xml version="1.0" encoding="utf-8"?>
 <Control xmlns="http://schemas.microsoft.com/VisualStudio/2011/storyboarding/control">
-  <Id Name="System.Storyboarding.Media.MapMarker" Revision="1" Stencil="System.Storyboarding.Media" StencilVersion="0.1"/>
+  <Id Name="System.Storyboarding.Common.Text" Revision="1" Stencil="System.Storyboarding.Common" StencilVersion="0.1"/>
 </Control>
 </file>
 
 <file path=customXml/item58.xml><?xml version="1.0" encoding="utf-8"?>
 <Control xmlns="http://schemas.microsoft.com/VisualStudio/2011/storyboarding/control">
-  <Id Name="System.Storyboarding.Common.Text" Revision="1" Stencil="System.Storyboarding.Common" StencilVersion="0.1"/>
+  <Id Name="System.Storyboarding.Media.MapMarker" Revision="1" Stencil="System.Storyboarding.Media" StencilVersion="0.1"/>
 </Control>
 </file>
 
 <file path=customXml/item59.xml><?xml version="1.0" encoding="utf-8"?>
 <Control xmlns="http://schemas.microsoft.com/VisualStudio/2011/storyboarding/control">
-  <Id Name="System.Storyboarding.Media.LineChart" Revision="1" Stencil="System.Storyboarding.Media" StencilVersion="0.1"/>
+  <Id Name="System.Storyboarding.Media.MapMarker" Revision="1" Stencil="System.Storyboarding.Media" StencilVersion="0.1"/>
 </Control>
 </file>
 
 <file path=customXml/item6.xml><?xml version="1.0" encoding="utf-8"?>
 <Control xmlns="http://schemas.microsoft.com/VisualStudio/2011/storyboarding/control">
-  <Id Name="System.Storyboarding.Common.TextInput" Revision="1" Stencil="System.Storyboarding.Common" StencilVersion="0.1"/>
+  <Id Name="System.Storyboarding.Common.Text" Revision="1" Stencil="System.Storyboarding.Common" StencilVersion="0.1"/>
 </Control>
 </file>
 
 <file path=customXml/item60.xml><?xml version="1.0" encoding="utf-8"?>
 <Control xmlns="http://schemas.microsoft.com/VisualStudio/2011/storyboarding/control">
-  <Id Name="System.Storyboarding.Backgrounds.WebBrowser" Revision="1" Stencil="System.Storyboarding.Backgrounds" StencilVersion="0.1"/>
+  <Id Name="System.Storyboarding.Media.StreetMap" Revision="1" Stencil="System.Storyboarding.Media" StencilVersion="0.1"/>
 </Control>
 </file>
 
@@ -30539,7 +30547,7 @@
 
 <file path=customXml/item62.xml><?xml version="1.0" encoding="utf-8"?>
 <Control xmlns="http://schemas.microsoft.com/VisualStudio/2011/storyboarding/control">
-  <Id Name="System.Storyboarding.Common.Text" Revision="1" Stencil="System.Storyboarding.Common" StencilVersion="0.1"/>
+  <Id Name="System.Storyboarding.Backgrounds.WebBrowser" Revision="1" Stencil="System.Storyboarding.Backgrounds" StencilVersion="0.1"/>
 </Control>
 </file>
 
@@ -30551,7 +30559,7 @@
 
 <file path=customXml/item64.xml><?xml version="1.0" encoding="utf-8"?>
 <Control xmlns="http://schemas.microsoft.com/VisualStudio/2011/storyboarding/control">
-  <Id Name="System.Storyboarding.Common.Text" Revision="1" Stencil="System.Storyboarding.Common" StencilVersion="0.1"/>
+  <Id Name="System.Storyboarding.Common.Button" Revision="1" Stencil="System.Storyboarding.Common" StencilVersion="0.1"/>
 </Control>
 </file>
 
@@ -30563,7 +30571,7 @@
 
 <file path=customXml/item66.xml><?xml version="1.0" encoding="utf-8"?>
 <Control xmlns="http://schemas.microsoft.com/VisualStudio/2011/storyboarding/control">
-  <Id Name="System.Storyboarding.Common.Button" Revision="1" Stencil="System.Storyboarding.Common" StencilVersion="0.1"/>
+  <Id Name="System.Storyboarding.Annotation.StickyNote" Revision="1" Stencil="System.Storyboarding.Annotation" StencilVersion="0.1"/>
 </Control>
 </file>
 
@@ -30587,13 +30595,13 @@
 
 <file path=customXml/item7.xml><?xml version="1.0" encoding="utf-8"?>
 <Control xmlns="http://schemas.microsoft.com/VisualStudio/2011/storyboarding/control">
-  <Id Name="System.Storyboarding.Annotation.AnimatedRectangleCallout" Revision="1" Stencil="System.Storyboarding.Annotation" StencilVersion="0.1"/>
+  <Id Name="System.Storyboarding.Common.Button" Revision="1" Stencil="System.Storyboarding.Common" StencilVersion="0.1"/>
 </Control>
 </file>
 
 <file path=customXml/item70.xml><?xml version="1.0" encoding="utf-8"?>
 <Control xmlns="http://schemas.microsoft.com/VisualStudio/2011/storyboarding/control">
-  <Id Name="System.Storyboarding.Media.MapMarker" Revision="1" Stencil="System.Storyboarding.Media" StencilVersion="0.1"/>
+  <Id Name="System.Storyboarding.Annotation.AnimatedRectangleCallout" Revision="1" Stencil="System.Storyboarding.Annotation" StencilVersion="0.1"/>
 </Control>
 </file>
 
@@ -30605,19 +30613,19 @@
 
 <file path=customXml/item72.xml><?xml version="1.0" encoding="utf-8"?>
 <Control xmlns="http://schemas.microsoft.com/VisualStudio/2011/storyboarding/control">
-  <Id Name="System.Storyboarding.Media.MapMarker" Revision="1" Stencil="System.Storyboarding.Media" StencilVersion="0.1"/>
+  <Id Name="System.Storyboarding.Common.Text" Revision="1" Stencil="System.Storyboarding.Common" StencilVersion="0.1"/>
 </Control>
 </file>
 
 <file path=customXml/item73.xml><?xml version="1.0" encoding="utf-8"?>
 <Control xmlns="http://schemas.microsoft.com/VisualStudio/2011/storyboarding/control">
-  <Id Name="System.Storyboarding.Media.MapMarker" Revision="1" Stencil="System.Storyboarding.Media" StencilVersion="0.1"/>
+  <Id Name="System.Storyboarding.Common.Button" Revision="1" Stencil="System.Storyboarding.Common" StencilVersion="0.1"/>
 </Control>
 </file>
 
 <file path=customXml/item74.xml><?xml version="1.0" encoding="utf-8"?>
 <Control xmlns="http://schemas.microsoft.com/VisualStudio/2011/storyboarding/control">
-  <Id Name="System.Storyboarding.Media.MapMarker" Revision="1" Stencil="System.Storyboarding.Media" StencilVersion="0.1"/>
+  <Id Name="System.Storyboarding.Common.Button" Revision="1" Stencil="System.Storyboarding.Common" StencilVersion="0.1"/>
 </Control>
 </file>
 
@@ -30629,7 +30637,7 @@
 
 <file path=customXml/item76.xml><?xml version="1.0" encoding="utf-8"?>
 <Control xmlns="http://schemas.microsoft.com/VisualStudio/2011/storyboarding/control">
-  <Id Name="System.Storyboarding.Media.MapMarker" Revision="1" Stencil="System.Storyboarding.Media" StencilVersion="0.1"/>
+  <Id Name="System.Storyboarding.Common.Text" Revision="1" Stencil="System.Storyboarding.Common" StencilVersion="0.1"/>
 </Control>
 </file>
 
@@ -30641,48 +30649,48 @@
 
 <file path=customXml/item78.xml><?xml version="1.0" encoding="utf-8"?>
 <Control xmlns="http://schemas.microsoft.com/VisualStudio/2011/storyboarding/control">
-  <Id Name="System.Storyboarding.Media.MapMarker" Revision="1" Stencil="System.Storyboarding.Media" StencilVersion="0.1"/>
+  <Id Name="System.Storyboarding.Common.TextInput" Revision="1" Stencil="System.Storyboarding.Common" StencilVersion="0.1"/>
 </Control>
 </file>
 
 <file path=customXml/item79.xml><?xml version="1.0" encoding="utf-8"?>
 <Control xmlns="http://schemas.microsoft.com/VisualStudio/2011/storyboarding/control">
-  <Id Name="System.Storyboarding.Common.Text" Revision="1" Stencil="System.Storyboarding.Common" StencilVersion="0.1"/>
+  <Id Name="System.Storyboarding.Common.Button" Revision="1" Stencil="System.Storyboarding.Common" StencilVersion="0.1"/>
 </Control>
 </file>
 
 <file path=customXml/item8.xml><?xml version="1.0" encoding="utf-8"?>
 <Control xmlns="http://schemas.microsoft.com/VisualStudio/2011/storyboarding/control">
-  <Id Name="System.Storyboarding.Common.Button" Revision="1" Stencil="System.Storyboarding.Common" StencilVersion="0.1"/>
+  <Id Name="System.Storyboarding.Media.MapMarker" Revision="1" Stencil="System.Storyboarding.Media" StencilVersion="0.1"/>
 </Control>
 </file>
 
 <file path=customXml/item80.xml><?xml version="1.0" encoding="utf-8"?>
 <Control xmlns="http://schemas.microsoft.com/VisualStudio/2011/storyboarding/control">
-  <Id Name="System.Storyboarding.Media.StreetMap" Revision="1" Stencil="System.Storyboarding.Media" StencilVersion="0.1"/>
+  <Id Name="System.Storyboarding.Common.Text" Revision="1" Stencil="System.Storyboarding.Common" StencilVersion="0.1"/>
 </Control>
 </file>
 
 <file path=customXml/item81.xml><?xml version="1.0" encoding="utf-8"?>
 <Control xmlns="http://schemas.microsoft.com/VisualStudio/2011/storyboarding/control">
-  <Id Name="System.Storyboarding.Media.StreetMap" Revision="1" Stencil="System.Storyboarding.Media" StencilVersion="0.1"/>
+  <Id Name="System.Storyboarding.Common.Text" Revision="1" Stencil="System.Storyboarding.Common" StencilVersion="0.1"/>
 </Control>
 </file>
 
 <file path=customXml/item82.xml><?xml version="1.0" encoding="utf-8"?>
 <Control xmlns="http://schemas.microsoft.com/VisualStudio/2011/storyboarding/control">
-  <Id Name="System.Storyboarding.Media.WebCam" Revision="1" Stencil="System.Storyboarding.Media" StencilVersion="0.1"/>
+  <Id Name="System.Storyboarding.Common.Text" Revision="1" Stencil="System.Storyboarding.Common" StencilVersion="0.1"/>
 </Control>
 </file>
 
 <file path=customXml/item9.xml><?xml version="1.0" encoding="utf-8"?>
 <Control xmlns="http://schemas.microsoft.com/VisualStudio/2011/storyboarding/control">
-  <Id Name="System.Storyboarding.Backgrounds.WebBrowser" Revision="1" Stencil="System.Storyboarding.Backgrounds" StencilVersion="0.1"/>
+  <Id Name="System.Storyboarding.Common.Text" Revision="1" Stencil="System.Storyboarding.Common" StencilVersion="0.1"/>
 </Control>
 </file>
 
 <file path=customXml/itemProps1.xml><?xml version="1.0" encoding="utf-8"?>
-<ds:datastoreItem xmlns:ds="http://schemas.openxmlformats.org/officeDocument/2006/customXml" ds:itemID="{963B3F98-D4FD-483A-98E7-65E12E1D5910}">
+<ds:datastoreItem xmlns:ds="http://schemas.openxmlformats.org/officeDocument/2006/customXml" ds:itemID="{C3B397E6-5EBC-4A95-A4CA-31435DD1E27A}">
   <ds:schemaRefs>
     <ds:schemaRef ds:uri="http://schemas.microsoft.com/VisualStudio/2011/storyboarding/control"/>
   </ds:schemaRefs>
@@ -30690,7 +30698,7 @@
 </file>
 
 <file path=customXml/itemProps10.xml><?xml version="1.0" encoding="utf-8"?>
-<ds:datastoreItem xmlns:ds="http://schemas.openxmlformats.org/officeDocument/2006/customXml" ds:itemID="{3DBB1BAB-399A-4E95-9253-BE449C59E760}">
+<ds:datastoreItem xmlns:ds="http://schemas.openxmlformats.org/officeDocument/2006/customXml" ds:itemID="{8C254E01-4AFF-4849-BFD0-1F9BFCCCFFD5}">
   <ds:schemaRefs>
     <ds:schemaRef ds:uri="http://schemas.microsoft.com/VisualStudio/2011/storyboarding/control"/>
   </ds:schemaRefs>
@@ -30698,7 +30706,7 @@
 </file>
 
 <file path=customXml/itemProps11.xml><?xml version="1.0" encoding="utf-8"?>
-<ds:datastoreItem xmlns:ds="http://schemas.openxmlformats.org/officeDocument/2006/customXml" ds:itemID="{E5349F04-D613-4377-92A0-6DE99D32C2B2}">
+<ds:datastoreItem xmlns:ds="http://schemas.openxmlformats.org/officeDocument/2006/customXml" ds:itemID="{2348D8A8-4BC6-493E-BFAF-611C36BFAEC0}">
   <ds:schemaRefs>
     <ds:schemaRef ds:uri="http://schemas.microsoft.com/VisualStudio/2011/storyboarding/control"/>
   </ds:schemaRefs>
@@ -30706,7 +30714,7 @@
 </file>
 
 <file path=customXml/itemProps12.xml><?xml version="1.0" encoding="utf-8"?>
-<ds:datastoreItem xmlns:ds="http://schemas.openxmlformats.org/officeDocument/2006/customXml" ds:itemID="{EB72FD84-07C9-4662-B302-CA571540541E}">
+<ds:datastoreItem xmlns:ds="http://schemas.openxmlformats.org/officeDocument/2006/customXml" ds:itemID="{A99C52AA-206C-4B08-87B0-8EE5EB7C61B0}">
   <ds:schemaRefs>
     <ds:schemaRef ds:uri="http://schemas.microsoft.com/VisualStudio/2011/storyboarding/control"/>
   </ds:schemaRefs>
@@ -30714,7 +30722,7 @@
 </file>
 
 <file path=customXml/itemProps13.xml><?xml version="1.0" encoding="utf-8"?>
-<ds:datastoreItem xmlns:ds="http://schemas.openxmlformats.org/officeDocument/2006/customXml" ds:itemID="{9E15A78B-24B2-4FB4-A1B0-BFAF695D32C6}">
+<ds:datastoreItem xmlns:ds="http://schemas.openxmlformats.org/officeDocument/2006/customXml" ds:itemID="{872BC1B2-753C-4C53-B9A3-91A4733EA408}">
   <ds:schemaRefs>
     <ds:schemaRef ds:uri="http://schemas.microsoft.com/VisualStudio/2011/storyboarding/control"/>
   </ds:schemaRefs>
@@ -30730,7 +30738,7 @@
 </file>
 
 <file path=customXml/itemProps15.xml><?xml version="1.0" encoding="utf-8"?>
-<ds:datastoreItem xmlns:ds="http://schemas.openxmlformats.org/officeDocument/2006/customXml" ds:itemID="{CCE95A32-9E76-4ECE-A291-7BB8A9B22F19}">
+<ds:datastoreItem xmlns:ds="http://schemas.openxmlformats.org/officeDocument/2006/customXml" ds:itemID="{329D1A87-9736-4815-8745-AC5597BBEF58}">
   <ds:schemaRefs>
     <ds:schemaRef ds:uri="http://schemas.microsoft.com/VisualStudio/2011/storyboarding/control"/>
   </ds:schemaRefs>
@@ -30738,7 +30746,7 @@
 </file>
 
 <file path=customXml/itemProps16.xml><?xml version="1.0" encoding="utf-8"?>
-<ds:datastoreItem xmlns:ds="http://schemas.openxmlformats.org/officeDocument/2006/customXml" ds:itemID="{FE10CA70-6D59-4530-94EC-0F8BF32BA04E}">
+<ds:datastoreItem xmlns:ds="http://schemas.openxmlformats.org/officeDocument/2006/customXml" ds:itemID="{E17B92AA-726D-4A39-8662-10198194BC6D}">
   <ds:schemaRefs>
     <ds:schemaRef ds:uri="http://schemas.microsoft.com/VisualStudio/2011/storyboarding/control"/>
   </ds:schemaRefs>
@@ -30746,6 +30754,134 @@
 </file>
 
 <file path=customXml/itemProps17.xml><?xml version="1.0" encoding="utf-8"?>
+<ds:datastoreItem xmlns:ds="http://schemas.openxmlformats.org/officeDocument/2006/customXml" ds:itemID="{EA1F1CCA-126A-4FDA-A8EE-9EFBF2CC3FEC}">
+  <ds:schemaRefs>
+    <ds:schemaRef ds:uri="http://schemas.microsoft.com/VisualStudio/2011/storyboarding/control"/>
+  </ds:schemaRefs>
+</ds:datastoreItem>
+</file>
+
+<file path=customXml/itemProps18.xml><?xml version="1.0" encoding="utf-8"?>
+<ds:datastoreItem xmlns:ds="http://schemas.openxmlformats.org/officeDocument/2006/customXml" ds:itemID="{BF691298-6B75-4634-98A2-1667F8BDD281}">
+  <ds:schemaRefs>
+    <ds:schemaRef ds:uri="http://schemas.microsoft.com/VisualStudio/2011/storyboarding/control"/>
+  </ds:schemaRefs>
+</ds:datastoreItem>
+</file>
+
+<file path=customXml/itemProps19.xml><?xml version="1.0" encoding="utf-8"?>
+<ds:datastoreItem xmlns:ds="http://schemas.openxmlformats.org/officeDocument/2006/customXml" ds:itemID="{468FE1AA-EDA8-4643-A885-8AE5EAAA8EA9}">
+  <ds:schemaRefs>
+    <ds:schemaRef ds:uri="http://schemas.microsoft.com/VisualStudio/2011/storyboarding/control"/>
+  </ds:schemaRefs>
+</ds:datastoreItem>
+</file>
+
+<file path=customXml/itemProps2.xml><?xml version="1.0" encoding="utf-8"?>
+<ds:datastoreItem xmlns:ds="http://schemas.openxmlformats.org/officeDocument/2006/customXml" ds:itemID="{65C730C3-9837-4EF4-828C-DF579EDB0E62}">
+  <ds:schemaRefs>
+    <ds:schemaRef ds:uri="http://schemas.microsoft.com/VisualStudio/2011/storyboarding/control"/>
+  </ds:schemaRefs>
+</ds:datastoreItem>
+</file>
+
+<file path=customXml/itemProps20.xml><?xml version="1.0" encoding="utf-8"?>
+<ds:datastoreItem xmlns:ds="http://schemas.openxmlformats.org/officeDocument/2006/customXml" ds:itemID="{5F8484BD-D63E-4125-8111-06D10566B3CD}">
+  <ds:schemaRefs>
+    <ds:schemaRef ds:uri="http://schemas.microsoft.com/VisualStudio/2011/storyboarding/control"/>
+  </ds:schemaRefs>
+</ds:datastoreItem>
+</file>
+
+<file path=customXml/itemProps21.xml><?xml version="1.0" encoding="utf-8"?>
+<ds:datastoreItem xmlns:ds="http://schemas.openxmlformats.org/officeDocument/2006/customXml" ds:itemID="{77EC1E31-86D8-4185-A506-A81CC4150A00}">
+  <ds:schemaRefs>
+    <ds:schemaRef ds:uri="http://schemas.microsoft.com/VisualStudio/2011/storyboarding/control"/>
+  </ds:schemaRefs>
+</ds:datastoreItem>
+</file>
+
+<file path=customXml/itemProps22.xml><?xml version="1.0" encoding="utf-8"?>
+<ds:datastoreItem xmlns:ds="http://schemas.openxmlformats.org/officeDocument/2006/customXml" ds:itemID="{701A5B1E-6C54-4140-96D4-F7CAA24113C0}">
+  <ds:schemaRefs>
+    <ds:schemaRef ds:uri="http://schemas.microsoft.com/VisualStudio/2011/storyboarding/control"/>
+  </ds:schemaRefs>
+</ds:datastoreItem>
+</file>
+
+<file path=customXml/itemProps23.xml><?xml version="1.0" encoding="utf-8"?>
+<ds:datastoreItem xmlns:ds="http://schemas.openxmlformats.org/officeDocument/2006/customXml" ds:itemID="{65300248-18AD-4E76-BD92-C03B72BEF756}">
+  <ds:schemaRefs>
+    <ds:schemaRef ds:uri="http://schemas.microsoft.com/VisualStudio/2011/storyboarding/control"/>
+  </ds:schemaRefs>
+</ds:datastoreItem>
+</file>
+
+<file path=customXml/itemProps24.xml><?xml version="1.0" encoding="utf-8"?>
+<ds:datastoreItem xmlns:ds="http://schemas.openxmlformats.org/officeDocument/2006/customXml" ds:itemID="{079A8803-531C-4342-9473-03D0664FE298}">
+  <ds:schemaRefs>
+    <ds:schemaRef ds:uri="http://schemas.microsoft.com/VisualStudio/2011/storyboarding/control"/>
+  </ds:schemaRefs>
+</ds:datastoreItem>
+</file>
+
+<file path=customXml/itemProps25.xml><?xml version="1.0" encoding="utf-8"?>
+<ds:datastoreItem xmlns:ds="http://schemas.openxmlformats.org/officeDocument/2006/customXml" ds:itemID="{80F6A9B3-925F-45C1-9AB5-D9BA1649E52A}">
+  <ds:schemaRefs>
+    <ds:schemaRef ds:uri="http://schemas.microsoft.com/VisualStudio/2011/storyboarding/control"/>
+  </ds:schemaRefs>
+</ds:datastoreItem>
+</file>
+
+<file path=customXml/itemProps26.xml><?xml version="1.0" encoding="utf-8"?>
+<ds:datastoreItem xmlns:ds="http://schemas.openxmlformats.org/officeDocument/2006/customXml" ds:itemID="{A49CDC3A-5E09-4FC7-9FFA-8D4756E57D8B}">
+  <ds:schemaRefs>
+    <ds:schemaRef ds:uri="http://schemas.microsoft.com/VisualStudio/2011/storyboarding/control"/>
+  </ds:schemaRefs>
+</ds:datastoreItem>
+</file>
+
+<file path=customXml/itemProps27.xml><?xml version="1.0" encoding="utf-8"?>
+<ds:datastoreItem xmlns:ds="http://schemas.openxmlformats.org/officeDocument/2006/customXml" ds:itemID="{68F190B0-B6F3-4465-8A4C-23644213B30B}">
+  <ds:schemaRefs>
+    <ds:schemaRef ds:uri="http://schemas.microsoft.com/VisualStudio/2011/storyboarding/control"/>
+  </ds:schemaRefs>
+</ds:datastoreItem>
+</file>
+
+<file path=customXml/itemProps28.xml><?xml version="1.0" encoding="utf-8"?>
+<ds:datastoreItem xmlns:ds="http://schemas.openxmlformats.org/officeDocument/2006/customXml" ds:itemID="{23820C58-F488-4E35-9146-7B6DF2DCFA00}">
+  <ds:schemaRefs>
+    <ds:schemaRef ds:uri="http://schemas.microsoft.com/VisualStudio/2011/storyboarding/control"/>
+  </ds:schemaRefs>
+</ds:datastoreItem>
+</file>
+
+<file path=customXml/itemProps29.xml><?xml version="1.0" encoding="utf-8"?>
+<ds:datastoreItem xmlns:ds="http://schemas.openxmlformats.org/officeDocument/2006/customXml" ds:itemID="{CBD4CD51-662D-4A8B-8314-0A402D855714}">
+  <ds:schemaRefs>
+    <ds:schemaRef ds:uri="http://schemas.microsoft.com/VisualStudio/2011/storyboarding/control"/>
+  </ds:schemaRefs>
+</ds:datastoreItem>
+</file>
+
+<file path=customXml/itemProps3.xml><?xml version="1.0" encoding="utf-8"?>
+<ds:datastoreItem xmlns:ds="http://schemas.openxmlformats.org/officeDocument/2006/customXml" ds:itemID="{2CCCB64C-80E3-45F6-9903-8E060EA0C90E}">
+  <ds:schemaRefs>
+    <ds:schemaRef ds:uri="http://schemas.microsoft.com/VisualStudio/2011/storyboarding/control"/>
+  </ds:schemaRefs>
+</ds:datastoreItem>
+</file>
+
+<file path=customXml/itemProps30.xml><?xml version="1.0" encoding="utf-8"?>
+<ds:datastoreItem xmlns:ds="http://schemas.openxmlformats.org/officeDocument/2006/customXml" ds:itemID="{EB72FD84-07C9-4662-B302-CA571540541E}">
+  <ds:schemaRefs>
+    <ds:schemaRef ds:uri="http://schemas.microsoft.com/VisualStudio/2011/storyboarding/control"/>
+  </ds:schemaRefs>
+</ds:datastoreItem>
+</file>
+
+<file path=customXml/itemProps31.xml><?xml version="1.0" encoding="utf-8"?>
 <ds:datastoreItem xmlns:ds="http://schemas.openxmlformats.org/officeDocument/2006/customXml" ds:itemID="{141E2CC3-D012-4EC8-AA4E-D850F8FA5D26}">
   <ds:schemaRefs>
     <ds:schemaRef ds:uri="http://schemas.microsoft.com/VisualStudio/2011/storyboarding/control"/>
@@ -30753,136 +30889,8 @@
 </ds:datastoreItem>
 </file>
 
-<file path=customXml/itemProps18.xml><?xml version="1.0" encoding="utf-8"?>
-<ds:datastoreItem xmlns:ds="http://schemas.openxmlformats.org/officeDocument/2006/customXml" ds:itemID="{16AC455D-1437-488D-A83A-17B680E7EED3}">
-  <ds:schemaRefs>
-    <ds:schemaRef ds:uri="http://schemas.microsoft.com/VisualStudio/2011/storyboarding/control"/>
-  </ds:schemaRefs>
-</ds:datastoreItem>
-</file>
-
-<file path=customXml/itemProps19.xml><?xml version="1.0" encoding="utf-8"?>
-<ds:datastoreItem xmlns:ds="http://schemas.openxmlformats.org/officeDocument/2006/customXml" ds:itemID="{872BC1B2-753C-4C53-B9A3-91A4733EA408}">
-  <ds:schemaRefs>
-    <ds:schemaRef ds:uri="http://schemas.microsoft.com/VisualStudio/2011/storyboarding/control"/>
-  </ds:schemaRefs>
-</ds:datastoreItem>
-</file>
-
-<file path=customXml/itemProps2.xml><?xml version="1.0" encoding="utf-8"?>
-<ds:datastoreItem xmlns:ds="http://schemas.openxmlformats.org/officeDocument/2006/customXml" ds:itemID="{586F082E-1DE9-4D66-A643-7BEA6E733C5B}">
-  <ds:schemaRefs>
-    <ds:schemaRef ds:uri="http://schemas.microsoft.com/VisualStudio/2011/storyboarding/control"/>
-  </ds:schemaRefs>
-</ds:datastoreItem>
-</file>
-
-<file path=customXml/itemProps20.xml><?xml version="1.0" encoding="utf-8"?>
-<ds:datastoreItem xmlns:ds="http://schemas.openxmlformats.org/officeDocument/2006/customXml" ds:itemID="{D71D19B6-F1BB-45A4-8CFD-B6F08BB6FFC4}">
-  <ds:schemaRefs>
-    <ds:schemaRef ds:uri="http://schemas.microsoft.com/VisualStudio/2011/storyboarding/control"/>
-  </ds:schemaRefs>
-</ds:datastoreItem>
-</file>
-
-<file path=customXml/itemProps21.xml><?xml version="1.0" encoding="utf-8"?>
-<ds:datastoreItem xmlns:ds="http://schemas.openxmlformats.org/officeDocument/2006/customXml" ds:itemID="{2BFB0375-1847-4557-AFB0-F9C29B6E99A8}">
-  <ds:schemaRefs>
-    <ds:schemaRef ds:uri="http://schemas.microsoft.com/VisualStudio/2011/storyboarding/control"/>
-  </ds:schemaRefs>
-</ds:datastoreItem>
-</file>
-
-<file path=customXml/itemProps22.xml><?xml version="1.0" encoding="utf-8"?>
-<ds:datastoreItem xmlns:ds="http://schemas.openxmlformats.org/officeDocument/2006/customXml" ds:itemID="{329D1A87-9736-4815-8745-AC5597BBEF58}">
-  <ds:schemaRefs>
-    <ds:schemaRef ds:uri="http://schemas.microsoft.com/VisualStudio/2011/storyboarding/control"/>
-  </ds:schemaRefs>
-</ds:datastoreItem>
-</file>
-
-<file path=customXml/itemProps23.xml><?xml version="1.0" encoding="utf-8"?>
-<ds:datastoreItem xmlns:ds="http://schemas.openxmlformats.org/officeDocument/2006/customXml" ds:itemID="{CEF7727D-ECE7-4444-A279-42C93F372387}">
-  <ds:schemaRefs>
-    <ds:schemaRef ds:uri="http://schemas.microsoft.com/VisualStudio/2011/storyboarding/control"/>
-  </ds:schemaRefs>
-</ds:datastoreItem>
-</file>
-
-<file path=customXml/itemProps24.xml><?xml version="1.0" encoding="utf-8"?>
-<ds:datastoreItem xmlns:ds="http://schemas.openxmlformats.org/officeDocument/2006/customXml" ds:itemID="{FFCE764E-ADF7-4ECB-BCE2-C9C0554EFE12}">
-  <ds:schemaRefs>
-    <ds:schemaRef ds:uri="http://schemas.microsoft.com/VisualStudio/2011/storyboarding/control"/>
-  </ds:schemaRefs>
-</ds:datastoreItem>
-</file>
-
-<file path=customXml/itemProps25.xml><?xml version="1.0" encoding="utf-8"?>
+<file path=customXml/itemProps32.xml><?xml version="1.0" encoding="utf-8"?>
 <ds:datastoreItem xmlns:ds="http://schemas.openxmlformats.org/officeDocument/2006/customXml" ds:itemID="{100791B2-46CC-437D-BE89-17B0E65DA800}">
-  <ds:schemaRefs>
-    <ds:schemaRef ds:uri="http://schemas.microsoft.com/VisualStudio/2011/storyboarding/control"/>
-  </ds:schemaRefs>
-</ds:datastoreItem>
-</file>
-
-<file path=customXml/itemProps26.xml><?xml version="1.0" encoding="utf-8"?>
-<ds:datastoreItem xmlns:ds="http://schemas.openxmlformats.org/officeDocument/2006/customXml" ds:itemID="{B5DA57E0-3142-4016-8E01-0A2EA7F11B16}">
-  <ds:schemaRefs>
-    <ds:schemaRef ds:uri="http://schemas.microsoft.com/VisualStudio/2011/storyboarding/control"/>
-  </ds:schemaRefs>
-</ds:datastoreItem>
-</file>
-
-<file path=customXml/itemProps27.xml><?xml version="1.0" encoding="utf-8"?>
-<ds:datastoreItem xmlns:ds="http://schemas.openxmlformats.org/officeDocument/2006/customXml" ds:itemID="{E17B92AA-726D-4A39-8662-10198194BC6D}">
-  <ds:schemaRefs>
-    <ds:schemaRef ds:uri="http://schemas.microsoft.com/VisualStudio/2011/storyboarding/control"/>
-  </ds:schemaRefs>
-</ds:datastoreItem>
-</file>
-
-<file path=customXml/itemProps28.xml><?xml version="1.0" encoding="utf-8"?>
-<ds:datastoreItem xmlns:ds="http://schemas.openxmlformats.org/officeDocument/2006/customXml" ds:itemID="{6C6DA920-2966-426B-8FB5-F25559D63CD0}">
-  <ds:schemaRefs>
-    <ds:schemaRef ds:uri="http://schemas.microsoft.com/VisualStudio/2011/storyboarding/control"/>
-  </ds:schemaRefs>
-</ds:datastoreItem>
-</file>
-
-<file path=customXml/itemProps29.xml><?xml version="1.0" encoding="utf-8"?>
-<ds:datastoreItem xmlns:ds="http://schemas.openxmlformats.org/officeDocument/2006/customXml" ds:itemID="{B5379C81-E6D9-4FBF-B3DD-0C0C459CCA6E}">
-  <ds:schemaRefs>
-    <ds:schemaRef ds:uri="http://schemas.microsoft.com/VisualStudio/2011/storyboarding/control"/>
-  </ds:schemaRefs>
-</ds:datastoreItem>
-</file>
-
-<file path=customXml/itemProps3.xml><?xml version="1.0" encoding="utf-8"?>
-<ds:datastoreItem xmlns:ds="http://schemas.openxmlformats.org/officeDocument/2006/customXml" ds:itemID="{CBD4CD51-662D-4A8B-8314-0A402D855714}">
-  <ds:schemaRefs>
-    <ds:schemaRef ds:uri="http://schemas.microsoft.com/VisualStudio/2011/storyboarding/control"/>
-  </ds:schemaRefs>
-</ds:datastoreItem>
-</file>
-
-<file path=customXml/itemProps30.xml><?xml version="1.0" encoding="utf-8"?>
-<ds:datastoreItem xmlns:ds="http://schemas.openxmlformats.org/officeDocument/2006/customXml" ds:itemID="{EA1F1CCA-126A-4FDA-A8EE-9EFBF2CC3FEC}">
-  <ds:schemaRefs>
-    <ds:schemaRef ds:uri="http://schemas.microsoft.com/VisualStudio/2011/storyboarding/control"/>
-  </ds:schemaRefs>
-</ds:datastoreItem>
-</file>
-
-<file path=customXml/itemProps31.xml><?xml version="1.0" encoding="utf-8"?>
-<ds:datastoreItem xmlns:ds="http://schemas.openxmlformats.org/officeDocument/2006/customXml" ds:itemID="{271256E0-1EA6-499B-B2F0-7AB2D1D0CFCE}">
-  <ds:schemaRefs>
-    <ds:schemaRef ds:uri="http://schemas.microsoft.com/VisualStudio/2011/storyboarding/control"/>
-  </ds:schemaRefs>
-</ds:datastoreItem>
-</file>
-
-<file path=customXml/itemProps32.xml><?xml version="1.0" encoding="utf-8"?>
-<ds:datastoreItem xmlns:ds="http://schemas.openxmlformats.org/officeDocument/2006/customXml" ds:itemID="{C3B397E6-5EBC-4A95-A4CA-31435DD1E27A}">
   <ds:schemaRefs>
     <ds:schemaRef ds:uri="http://schemas.microsoft.com/VisualStudio/2011/storyboarding/control"/>
   </ds:schemaRefs>
@@ -30898,6 +30906,286 @@
 </file>
 
 <file path=customXml/itemProps34.xml><?xml version="1.0" encoding="utf-8"?>
+<ds:datastoreItem xmlns:ds="http://schemas.openxmlformats.org/officeDocument/2006/customXml" ds:itemID="{8BA91271-6B0D-42AF-AF84-5B984923DE71}">
+  <ds:schemaRefs>
+    <ds:schemaRef ds:uri="http://schemas.microsoft.com/VisualStudio/2011/storyboarding/control"/>
+  </ds:schemaRefs>
+</ds:datastoreItem>
+</file>
+
+<file path=customXml/itemProps35.xml><?xml version="1.0" encoding="utf-8"?>
+<ds:datastoreItem xmlns:ds="http://schemas.openxmlformats.org/officeDocument/2006/customXml" ds:itemID="{D9AAFB7A-5D4F-4AC9-976C-F42B0FFE7E32}">
+  <ds:schemaRefs>
+    <ds:schemaRef ds:uri="http://schemas.microsoft.com/VisualStudio/2011/storyboarding/control"/>
+  </ds:schemaRefs>
+</ds:datastoreItem>
+</file>
+
+<file path=customXml/itemProps36.xml><?xml version="1.0" encoding="utf-8"?>
+<ds:datastoreItem xmlns:ds="http://schemas.openxmlformats.org/officeDocument/2006/customXml" ds:itemID="{5E042AEA-D1FB-489B-BEB7-D00CA5A8B825}">
+  <ds:schemaRefs>
+    <ds:schemaRef ds:uri="http://schemas.microsoft.com/VisualStudio/2011/storyboarding/control"/>
+  </ds:schemaRefs>
+</ds:datastoreItem>
+</file>
+
+<file path=customXml/itemProps37.xml><?xml version="1.0" encoding="utf-8"?>
+<ds:datastoreItem xmlns:ds="http://schemas.openxmlformats.org/officeDocument/2006/customXml" ds:itemID="{7F86BD85-D01B-4090-902A-25BE05723735}">
+  <ds:schemaRefs>
+    <ds:schemaRef ds:uri="http://schemas.microsoft.com/VisualStudio/2011/storyboarding/control"/>
+  </ds:schemaRefs>
+</ds:datastoreItem>
+</file>
+
+<file path=customXml/itemProps38.xml><?xml version="1.0" encoding="utf-8"?>
+<ds:datastoreItem xmlns:ds="http://schemas.openxmlformats.org/officeDocument/2006/customXml" ds:itemID="{D71D19B6-F1BB-45A4-8CFD-B6F08BB6FFC4}">
+  <ds:schemaRefs>
+    <ds:schemaRef ds:uri="http://schemas.microsoft.com/VisualStudio/2011/storyboarding/control"/>
+  </ds:schemaRefs>
+</ds:datastoreItem>
+</file>
+
+<file path=customXml/itemProps39.xml><?xml version="1.0" encoding="utf-8"?>
+<ds:datastoreItem xmlns:ds="http://schemas.openxmlformats.org/officeDocument/2006/customXml" ds:itemID="{9A563277-3F4A-423F-B302-E156888EEAFE}">
+  <ds:schemaRefs>
+    <ds:schemaRef ds:uri="http://schemas.microsoft.com/VisualStudio/2011/storyboarding/control"/>
+  </ds:schemaRefs>
+</ds:datastoreItem>
+</file>
+
+<file path=customXml/itemProps4.xml><?xml version="1.0" encoding="utf-8"?>
+<ds:datastoreItem xmlns:ds="http://schemas.openxmlformats.org/officeDocument/2006/customXml" ds:itemID="{BDB98132-693C-427E-822C-D1BB0B1FC28D}">
+  <ds:schemaRefs>
+    <ds:schemaRef ds:uri="http://schemas.microsoft.com/VisualStudio/2011/storyboarding/control"/>
+  </ds:schemaRefs>
+</ds:datastoreItem>
+</file>
+
+<file path=customXml/itemProps40.xml><?xml version="1.0" encoding="utf-8"?>
+<ds:datastoreItem xmlns:ds="http://schemas.openxmlformats.org/officeDocument/2006/customXml" ds:itemID="{13E4BFF2-1CFA-432B-840C-3BA360889B36}">
+  <ds:schemaRefs>
+    <ds:schemaRef ds:uri="http://schemas.microsoft.com/VisualStudio/2011/storyboarding/control"/>
+  </ds:schemaRefs>
+</ds:datastoreItem>
+</file>
+
+<file path=customXml/itemProps41.xml><?xml version="1.0" encoding="utf-8"?>
+<ds:datastoreItem xmlns:ds="http://schemas.openxmlformats.org/officeDocument/2006/customXml" ds:itemID="{880A6C00-FE78-4F89-94BB-2FEB609F4F97}">
+  <ds:schemaRefs>
+    <ds:schemaRef ds:uri="http://schemas.microsoft.com/VisualStudio/2011/storyboarding/control"/>
+  </ds:schemaRefs>
+</ds:datastoreItem>
+</file>
+
+<file path=customXml/itemProps42.xml><?xml version="1.0" encoding="utf-8"?>
+<ds:datastoreItem xmlns:ds="http://schemas.openxmlformats.org/officeDocument/2006/customXml" ds:itemID="{128FA518-2DB1-4A06-836A-039DDBB302CC}">
+  <ds:schemaRefs>
+    <ds:schemaRef ds:uri="http://schemas.microsoft.com/VisualStudio/2011/storyboarding/control"/>
+  </ds:schemaRefs>
+</ds:datastoreItem>
+</file>
+
+<file path=customXml/itemProps43.xml><?xml version="1.0" encoding="utf-8"?>
+<ds:datastoreItem xmlns:ds="http://schemas.openxmlformats.org/officeDocument/2006/customXml" ds:itemID="{700F700C-6DEB-44A1-8E9C-6D60063C5ED2}">
+  <ds:schemaRefs>
+    <ds:schemaRef ds:uri="http://schemas.microsoft.com/VisualStudio/2011/storyboarding/control"/>
+  </ds:schemaRefs>
+</ds:datastoreItem>
+</file>
+
+<file path=customXml/itemProps44.xml><?xml version="1.0" encoding="utf-8"?>
+<ds:datastoreItem xmlns:ds="http://schemas.openxmlformats.org/officeDocument/2006/customXml" ds:itemID="{963B3F98-D4FD-483A-98E7-65E12E1D5910}">
+  <ds:schemaRefs>
+    <ds:schemaRef ds:uri="http://schemas.microsoft.com/VisualStudio/2011/storyboarding/control"/>
+  </ds:schemaRefs>
+</ds:datastoreItem>
+</file>
+
+<file path=customXml/itemProps45.xml><?xml version="1.0" encoding="utf-8"?>
+<ds:datastoreItem xmlns:ds="http://schemas.openxmlformats.org/officeDocument/2006/customXml" ds:itemID="{D7773116-5A12-41AD-BC75-5C2115801DBC}">
+  <ds:schemaRefs>
+    <ds:schemaRef ds:uri="http://schemas.microsoft.com/VisualStudio/2011/storyboarding/control"/>
+  </ds:schemaRefs>
+</ds:datastoreItem>
+</file>
+
+<file path=customXml/itemProps46.xml><?xml version="1.0" encoding="utf-8"?>
+<ds:datastoreItem xmlns:ds="http://schemas.openxmlformats.org/officeDocument/2006/customXml" ds:itemID="{CCE95A32-9E76-4ECE-A291-7BB8A9B22F19}">
+  <ds:schemaRefs>
+    <ds:schemaRef ds:uri="http://schemas.microsoft.com/VisualStudio/2011/storyboarding/control"/>
+  </ds:schemaRefs>
+</ds:datastoreItem>
+</file>
+
+<file path=customXml/itemProps47.xml><?xml version="1.0" encoding="utf-8"?>
+<ds:datastoreItem xmlns:ds="http://schemas.openxmlformats.org/officeDocument/2006/customXml" ds:itemID="{CEF7727D-ECE7-4444-A279-42C93F372387}">
+  <ds:schemaRefs>
+    <ds:schemaRef ds:uri="http://schemas.microsoft.com/VisualStudio/2011/storyboarding/control"/>
+  </ds:schemaRefs>
+</ds:datastoreItem>
+</file>
+
+<file path=customXml/itemProps48.xml><?xml version="1.0" encoding="utf-8"?>
+<ds:datastoreItem xmlns:ds="http://schemas.openxmlformats.org/officeDocument/2006/customXml" ds:itemID="{6C6DA920-2966-426B-8FB5-F25559D63CD0}">
+  <ds:schemaRefs>
+    <ds:schemaRef ds:uri="http://schemas.microsoft.com/VisualStudio/2011/storyboarding/control"/>
+  </ds:schemaRefs>
+</ds:datastoreItem>
+</file>
+
+<file path=customXml/itemProps49.xml><?xml version="1.0" encoding="utf-8"?>
+<ds:datastoreItem xmlns:ds="http://schemas.openxmlformats.org/officeDocument/2006/customXml" ds:itemID="{21F92D22-1FE1-4888-BEA7-0AAD8F549F2D}">
+  <ds:schemaRefs>
+    <ds:schemaRef ds:uri="http://schemas.microsoft.com/VisualStudio/2011/storyboarding/control"/>
+  </ds:schemaRefs>
+</ds:datastoreItem>
+</file>
+
+<file path=customXml/itemProps5.xml><?xml version="1.0" encoding="utf-8"?>
+<ds:datastoreItem xmlns:ds="http://schemas.openxmlformats.org/officeDocument/2006/customXml" ds:itemID="{B74E2D04-CEDB-4B86-B4EC-51A2B064E22A}">
+  <ds:schemaRefs>
+    <ds:schemaRef ds:uri="http://schemas.microsoft.com/VisualStudio/2011/storyboarding/control"/>
+  </ds:schemaRefs>
+</ds:datastoreItem>
+</file>
+
+<file path=customXml/itemProps50.xml><?xml version="1.0" encoding="utf-8"?>
+<ds:datastoreItem xmlns:ds="http://schemas.openxmlformats.org/officeDocument/2006/customXml" ds:itemID="{4A28832D-E041-43E5-A020-53D887EBBD56}">
+  <ds:schemaRefs>
+    <ds:schemaRef ds:uri="http://schemas.microsoft.com/VisualStudio/2011/storyboarding/control"/>
+  </ds:schemaRefs>
+</ds:datastoreItem>
+</file>
+
+<file path=customXml/itemProps51.xml><?xml version="1.0" encoding="utf-8"?>
+<ds:datastoreItem xmlns:ds="http://schemas.openxmlformats.org/officeDocument/2006/customXml" ds:itemID="{A97B56FF-11E5-4749-B837-5FAEE0F9D3CE}">
+  <ds:schemaRefs>
+    <ds:schemaRef ds:uri="http://schemas.microsoft.com/VisualStudio/2011/storyboarding/control"/>
+  </ds:schemaRefs>
+</ds:datastoreItem>
+</file>
+
+<file path=customXml/itemProps52.xml><?xml version="1.0" encoding="utf-8"?>
+<ds:datastoreItem xmlns:ds="http://schemas.openxmlformats.org/officeDocument/2006/customXml" ds:itemID="{3DBB1BAB-399A-4E95-9253-BE449C59E760}">
+  <ds:schemaRefs>
+    <ds:schemaRef ds:uri="http://schemas.microsoft.com/VisualStudio/2011/storyboarding/control"/>
+  </ds:schemaRefs>
+</ds:datastoreItem>
+</file>
+
+<file path=customXml/itemProps53.xml><?xml version="1.0" encoding="utf-8"?>
+<ds:datastoreItem xmlns:ds="http://schemas.openxmlformats.org/officeDocument/2006/customXml" ds:itemID="{271256E0-1EA6-499B-B2F0-7AB2D1D0CFCE}">
+  <ds:schemaRefs>
+    <ds:schemaRef ds:uri="http://schemas.microsoft.com/VisualStudio/2011/storyboarding/control"/>
+  </ds:schemaRefs>
+</ds:datastoreItem>
+</file>
+
+<file path=customXml/itemProps54.xml><?xml version="1.0" encoding="utf-8"?>
+<ds:datastoreItem xmlns:ds="http://schemas.openxmlformats.org/officeDocument/2006/customXml" ds:itemID="{8CAF4E83-3368-446F-A0C6-30504B3CB47E}">
+  <ds:schemaRefs>
+    <ds:schemaRef ds:uri="http://schemas.microsoft.com/VisualStudio/2011/storyboarding/control"/>
+  </ds:schemaRefs>
+</ds:datastoreItem>
+</file>
+
+<file path=customXml/itemProps55.xml><?xml version="1.0" encoding="utf-8"?>
+<ds:datastoreItem xmlns:ds="http://schemas.openxmlformats.org/officeDocument/2006/customXml" ds:itemID="{3E6D307E-68A8-4BA2-B933-5179C368A26A}">
+  <ds:schemaRefs>
+    <ds:schemaRef ds:uri="http://schemas.microsoft.com/VisualStudio/2011/storyboarding/control"/>
+  </ds:schemaRefs>
+</ds:datastoreItem>
+</file>
+
+<file path=customXml/itemProps56.xml><?xml version="1.0" encoding="utf-8"?>
+<ds:datastoreItem xmlns:ds="http://schemas.openxmlformats.org/officeDocument/2006/customXml" ds:itemID="{F4139A75-875E-4BC7-8B00-6A0DC000D3A7}">
+  <ds:schemaRefs>
+    <ds:schemaRef ds:uri="http://schemas.microsoft.com/VisualStudio/2011/storyboarding/control"/>
+  </ds:schemaRefs>
+</ds:datastoreItem>
+</file>
+
+<file path=customXml/itemProps57.xml><?xml version="1.0" encoding="utf-8"?>
+<ds:datastoreItem xmlns:ds="http://schemas.openxmlformats.org/officeDocument/2006/customXml" ds:itemID="{0DE4A7B5-2A6F-4719-9F2D-11F94D0ECAE0}">
+  <ds:schemaRefs>
+    <ds:schemaRef ds:uri="http://schemas.microsoft.com/VisualStudio/2011/storyboarding/control"/>
+  </ds:schemaRefs>
+</ds:datastoreItem>
+</file>
+
+<file path=customXml/itemProps58.xml><?xml version="1.0" encoding="utf-8"?>
+<ds:datastoreItem xmlns:ds="http://schemas.openxmlformats.org/officeDocument/2006/customXml" ds:itemID="{4D279ECD-CA83-422D-BF57-5A6A0D44A748}">
+  <ds:schemaRefs>
+    <ds:schemaRef ds:uri="http://schemas.microsoft.com/VisualStudio/2011/storyboarding/control"/>
+  </ds:schemaRefs>
+</ds:datastoreItem>
+</file>
+
+<file path=customXml/itemProps59.xml><?xml version="1.0" encoding="utf-8"?>
+<ds:datastoreItem xmlns:ds="http://schemas.openxmlformats.org/officeDocument/2006/customXml" ds:itemID="{4B05CF34-BE47-4F9B-923D-0E19D23955BE}">
+  <ds:schemaRefs>
+    <ds:schemaRef ds:uri="http://schemas.microsoft.com/VisualStudio/2011/storyboarding/control"/>
+  </ds:schemaRefs>
+</ds:datastoreItem>
+</file>
+
+<file path=customXml/itemProps6.xml><?xml version="1.0" encoding="utf-8"?>
+<ds:datastoreItem xmlns:ds="http://schemas.openxmlformats.org/officeDocument/2006/customXml" ds:itemID="{25B8E558-DEC9-4781-8B10-4C1C7220200F}">
+  <ds:schemaRefs>
+    <ds:schemaRef ds:uri="http://schemas.microsoft.com/VisualStudio/2011/storyboarding/control"/>
+  </ds:schemaRefs>
+</ds:datastoreItem>
+</file>
+
+<file path=customXml/itemProps60.xml><?xml version="1.0" encoding="utf-8"?>
+<ds:datastoreItem xmlns:ds="http://schemas.openxmlformats.org/officeDocument/2006/customXml" ds:itemID="{1821033B-FFF4-41A4-942C-7FBD679EF182}">
+  <ds:schemaRefs>
+    <ds:schemaRef ds:uri="http://schemas.microsoft.com/VisualStudio/2011/storyboarding/control"/>
+  </ds:schemaRefs>
+</ds:datastoreItem>
+</file>
+
+<file path=customXml/itemProps61.xml><?xml version="1.0" encoding="utf-8"?>
+<ds:datastoreItem xmlns:ds="http://schemas.openxmlformats.org/officeDocument/2006/customXml" ds:itemID="{16F727E6-3990-48F1-9552-5B536F346BA3}">
+  <ds:schemaRefs>
+    <ds:schemaRef ds:uri="http://schemas.microsoft.com/VisualStudio/2011/storyboarding/control"/>
+  </ds:schemaRefs>
+</ds:datastoreItem>
+</file>
+
+<file path=customXml/itemProps62.xml><?xml version="1.0" encoding="utf-8"?>
+<ds:datastoreItem xmlns:ds="http://schemas.openxmlformats.org/officeDocument/2006/customXml" ds:itemID="{0264357A-2160-44F9-9DB3-4CBFA2AA8632}">
+  <ds:schemaRefs>
+    <ds:schemaRef ds:uri="http://schemas.microsoft.com/VisualStudio/2011/storyboarding/control"/>
+  </ds:schemaRefs>
+</ds:datastoreItem>
+</file>
+
+<file path=customXml/itemProps63.xml><?xml version="1.0" encoding="utf-8"?>
+<ds:datastoreItem xmlns:ds="http://schemas.openxmlformats.org/officeDocument/2006/customXml" ds:itemID="{9E15A78B-24B2-4FB4-A1B0-BFAF695D32C6}">
+  <ds:schemaRefs>
+    <ds:schemaRef ds:uri="http://schemas.microsoft.com/VisualStudio/2011/storyboarding/control"/>
+  </ds:schemaRefs>
+</ds:datastoreItem>
+</file>
+
+<file path=customXml/itemProps64.xml><?xml version="1.0" encoding="utf-8"?>
+<ds:datastoreItem xmlns:ds="http://schemas.openxmlformats.org/officeDocument/2006/customXml" ds:itemID="{16AC455D-1437-488D-A83A-17B680E7EED3}">
+  <ds:schemaRefs>
+    <ds:schemaRef ds:uri="http://schemas.microsoft.com/VisualStudio/2011/storyboarding/control"/>
+  </ds:schemaRefs>
+</ds:datastoreItem>
+</file>
+
+<file path=customXml/itemProps65.xml><?xml version="1.0" encoding="utf-8"?>
+<ds:datastoreItem xmlns:ds="http://schemas.openxmlformats.org/officeDocument/2006/customXml" ds:itemID="{D0435206-58D5-4C82-B7CA-C7E28F2076DE}">
+  <ds:schemaRefs>
+    <ds:schemaRef ds:uri="http://schemas.microsoft.com/VisualStudio/2011/storyboarding/control"/>
+  </ds:schemaRefs>
+</ds:datastoreItem>
+</file>
+
+<file path=customXml/itemProps66.xml><?xml version="1.0" encoding="utf-8"?>
 <ds:datastoreItem xmlns:ds="http://schemas.openxmlformats.org/officeDocument/2006/customXml" ds:itemID="{A460B1AE-61FC-439F-AC22-1AD561ABABD1}">
   <ds:schemaRefs>
     <ds:schemaRef ds:uri="http://schemas.microsoft.com/VisualStudio/2011/storyboarding/control"/>
@@ -30905,143 +31193,7 @@
 </ds:datastoreItem>
 </file>
 
-<file path=customXml/itemProps35.xml><?xml version="1.0" encoding="utf-8"?>
-<ds:datastoreItem xmlns:ds="http://schemas.openxmlformats.org/officeDocument/2006/customXml" ds:itemID="{BF691298-6B75-4634-98A2-1667F8BDD281}">
-  <ds:schemaRefs>
-    <ds:schemaRef ds:uri="http://schemas.microsoft.com/VisualStudio/2011/storyboarding/control"/>
-  </ds:schemaRefs>
-</ds:datastoreItem>
-</file>
-
-<file path=customXml/itemProps36.xml><?xml version="1.0" encoding="utf-8"?>
-<ds:datastoreItem xmlns:ds="http://schemas.openxmlformats.org/officeDocument/2006/customXml" ds:itemID="{21F92D22-1FE1-4888-BEA7-0AAD8F549F2D}">
-  <ds:schemaRefs>
-    <ds:schemaRef ds:uri="http://schemas.microsoft.com/VisualStudio/2011/storyboarding/control"/>
-  </ds:schemaRefs>
-</ds:datastoreItem>
-</file>
-
-<file path=customXml/itemProps37.xml><?xml version="1.0" encoding="utf-8"?>
-<ds:datastoreItem xmlns:ds="http://schemas.openxmlformats.org/officeDocument/2006/customXml" ds:itemID="{65C730C3-9837-4EF4-828C-DF579EDB0E62}">
-  <ds:schemaRefs>
-    <ds:schemaRef ds:uri="http://schemas.microsoft.com/VisualStudio/2011/storyboarding/control"/>
-  </ds:schemaRefs>
-</ds:datastoreItem>
-</file>
-
-<file path=customXml/itemProps38.xml><?xml version="1.0" encoding="utf-8"?>
-<ds:datastoreItem xmlns:ds="http://schemas.openxmlformats.org/officeDocument/2006/customXml" ds:itemID="{8BA91271-6B0D-42AF-AF84-5B984923DE71}">
-  <ds:schemaRefs>
-    <ds:schemaRef ds:uri="http://schemas.microsoft.com/VisualStudio/2011/storyboarding/control"/>
-  </ds:schemaRefs>
-</ds:datastoreItem>
-</file>
-
-<file path=customXml/itemProps39.xml><?xml version="1.0" encoding="utf-8"?>
-<ds:datastoreItem xmlns:ds="http://schemas.openxmlformats.org/officeDocument/2006/customXml" ds:itemID="{D0435206-58D5-4C82-B7CA-C7E28F2076DE}">
-  <ds:schemaRefs>
-    <ds:schemaRef ds:uri="http://schemas.microsoft.com/VisualStudio/2011/storyboarding/control"/>
-  </ds:schemaRefs>
-</ds:datastoreItem>
-</file>
-
-<file path=customXml/itemProps4.xml><?xml version="1.0" encoding="utf-8"?>
-<ds:datastoreItem xmlns:ds="http://schemas.openxmlformats.org/officeDocument/2006/customXml" ds:itemID="{16F727E6-3990-48F1-9552-5B536F346BA3}">
-  <ds:schemaRefs>
-    <ds:schemaRef ds:uri="http://schemas.microsoft.com/VisualStudio/2011/storyboarding/control"/>
-  </ds:schemaRefs>
-</ds:datastoreItem>
-</file>
-
-<file path=customXml/itemProps40.xml><?xml version="1.0" encoding="utf-8"?>
-<ds:datastoreItem xmlns:ds="http://schemas.openxmlformats.org/officeDocument/2006/customXml" ds:itemID="{2CCCB64C-80E3-45F6-9903-8E060EA0C90E}">
-  <ds:schemaRefs>
-    <ds:schemaRef ds:uri="http://schemas.microsoft.com/VisualStudio/2011/storyboarding/control"/>
-  </ds:schemaRefs>
-</ds:datastoreItem>
-</file>
-
-<file path=customXml/itemProps41.xml><?xml version="1.0" encoding="utf-8"?>
-<ds:datastoreItem xmlns:ds="http://schemas.openxmlformats.org/officeDocument/2006/customXml" ds:itemID="{9A563277-3F4A-423F-B302-E156888EEAFE}">
-  <ds:schemaRefs>
-    <ds:schemaRef ds:uri="http://schemas.microsoft.com/VisualStudio/2011/storyboarding/control"/>
-  </ds:schemaRefs>
-</ds:datastoreItem>
-</file>
-
-<file path=customXml/itemProps42.xml><?xml version="1.0" encoding="utf-8"?>
-<ds:datastoreItem xmlns:ds="http://schemas.openxmlformats.org/officeDocument/2006/customXml" ds:itemID="{40C0FD69-0935-4A73-8AED-3D53353DAD9D}">
-  <ds:schemaRefs>
-    <ds:schemaRef ds:uri="http://schemas.microsoft.com/VisualStudio/2011/storyboarding/control"/>
-  </ds:schemaRefs>
-</ds:datastoreItem>
-</file>
-
-<file path=customXml/itemProps43.xml><?xml version="1.0" encoding="utf-8"?>
-<ds:datastoreItem xmlns:ds="http://schemas.openxmlformats.org/officeDocument/2006/customXml" ds:itemID="{468FE1AA-EDA8-4643-A885-8AE5EAAA8EA9}">
-  <ds:schemaRefs>
-    <ds:schemaRef ds:uri="http://schemas.microsoft.com/VisualStudio/2011/storyboarding/control"/>
-  </ds:schemaRefs>
-</ds:datastoreItem>
-</file>
-
-<file path=customXml/itemProps44.xml><?xml version="1.0" encoding="utf-8"?>
-<ds:datastoreItem xmlns:ds="http://schemas.openxmlformats.org/officeDocument/2006/customXml" ds:itemID="{8CAF4E83-3368-446F-A0C6-30504B3CB47E}">
-  <ds:schemaRefs>
-    <ds:schemaRef ds:uri="http://schemas.microsoft.com/VisualStudio/2011/storyboarding/control"/>
-  </ds:schemaRefs>
-</ds:datastoreItem>
-</file>
-
-<file path=customXml/itemProps45.xml><?xml version="1.0" encoding="utf-8"?>
-<ds:datastoreItem xmlns:ds="http://schemas.openxmlformats.org/officeDocument/2006/customXml" ds:itemID="{BDB98132-693C-427E-822C-D1BB0B1FC28D}">
-  <ds:schemaRefs>
-    <ds:schemaRef ds:uri="http://schemas.microsoft.com/VisualStudio/2011/storyboarding/control"/>
-  </ds:schemaRefs>
-</ds:datastoreItem>
-</file>
-
-<file path=customXml/itemProps46.xml><?xml version="1.0" encoding="utf-8"?>
-<ds:datastoreItem xmlns:ds="http://schemas.openxmlformats.org/officeDocument/2006/customXml" ds:itemID="{D9AAFB7A-5D4F-4AC9-976C-F42B0FFE7E32}">
-  <ds:schemaRefs>
-    <ds:schemaRef ds:uri="http://schemas.microsoft.com/VisualStudio/2011/storyboarding/control"/>
-  </ds:schemaRefs>
-</ds:datastoreItem>
-</file>
-
-<file path=customXml/itemProps47.xml><?xml version="1.0" encoding="utf-8"?>
-<ds:datastoreItem xmlns:ds="http://schemas.openxmlformats.org/officeDocument/2006/customXml" ds:itemID="{5C920521-90EC-4A1D-A2B4-742A313461BC}">
-  <ds:schemaRefs>
-    <ds:schemaRef ds:uri="http://schemas.microsoft.com/VisualStudio/2011/storyboarding/control"/>
-  </ds:schemaRefs>
-</ds:datastoreItem>
-</file>
-
-<file path=customXml/itemProps48.xml><?xml version="1.0" encoding="utf-8"?>
-<ds:datastoreItem xmlns:ds="http://schemas.openxmlformats.org/officeDocument/2006/customXml" ds:itemID="{5F8484BD-D63E-4125-8111-06D10566B3CD}">
-  <ds:schemaRefs>
-    <ds:schemaRef ds:uri="http://schemas.microsoft.com/VisualStudio/2011/storyboarding/control"/>
-  </ds:schemaRefs>
-</ds:datastoreItem>
-</file>
-
-<file path=customXml/itemProps49.xml><?xml version="1.0" encoding="utf-8"?>
-<ds:datastoreItem xmlns:ds="http://schemas.openxmlformats.org/officeDocument/2006/customXml" ds:itemID="{4A28832D-E041-43E5-A020-53D887EBBD56}">
-  <ds:schemaRefs>
-    <ds:schemaRef ds:uri="http://schemas.microsoft.com/VisualStudio/2011/storyboarding/control"/>
-  </ds:schemaRefs>
-</ds:datastoreItem>
-</file>
-
-<file path=customXml/itemProps5.xml><?xml version="1.0" encoding="utf-8"?>
-<ds:datastoreItem xmlns:ds="http://schemas.openxmlformats.org/officeDocument/2006/customXml" ds:itemID="{8C254E01-4AFF-4849-BFD0-1F9BFCCCFFD5}">
-  <ds:schemaRefs>
-    <ds:schemaRef ds:uri="http://schemas.microsoft.com/VisualStudio/2011/storyboarding/control"/>
-  </ds:schemaRefs>
-</ds:datastoreItem>
-</file>
-
-<file path=customXml/itemProps50.xml><?xml version="1.0" encoding="utf-8"?>
+<file path=customXml/itemProps67.xml><?xml version="1.0" encoding="utf-8"?>
 <ds:datastoreItem xmlns:ds="http://schemas.openxmlformats.org/officeDocument/2006/customXml" ds:itemID="{733A8570-87A0-458D-BA81-E777234A4008}">
   <ds:schemaRefs>
     <ds:schemaRef ds:uri="http://schemas.microsoft.com/VisualStudio/2011/storyboarding/control"/>
@@ -31049,39 +31201,7 @@
 </ds:datastoreItem>
 </file>
 
-<file path=customXml/itemProps51.xml><?xml version="1.0" encoding="utf-8"?>
-<ds:datastoreItem xmlns:ds="http://schemas.openxmlformats.org/officeDocument/2006/customXml" ds:itemID="{A49CDC3A-5E09-4FC7-9FFA-8D4756E57D8B}">
-  <ds:schemaRefs>
-    <ds:schemaRef ds:uri="http://schemas.microsoft.com/VisualStudio/2011/storyboarding/control"/>
-  </ds:schemaRefs>
-</ds:datastoreItem>
-</file>
-
-<file path=customXml/itemProps52.xml><?xml version="1.0" encoding="utf-8"?>
-<ds:datastoreItem xmlns:ds="http://schemas.openxmlformats.org/officeDocument/2006/customXml" ds:itemID="{3E6D307E-68A8-4BA2-B933-5179C368A26A}">
-  <ds:schemaRefs>
-    <ds:schemaRef ds:uri="http://schemas.microsoft.com/VisualStudio/2011/storyboarding/control"/>
-  </ds:schemaRefs>
-</ds:datastoreItem>
-</file>
-
-<file path=customXml/itemProps53.xml><?xml version="1.0" encoding="utf-8"?>
-<ds:datastoreItem xmlns:ds="http://schemas.openxmlformats.org/officeDocument/2006/customXml" ds:itemID="{B74E2D04-CEDB-4B86-B4EC-51A2B064E22A}">
-  <ds:schemaRefs>
-    <ds:schemaRef ds:uri="http://schemas.microsoft.com/VisualStudio/2011/storyboarding/control"/>
-  </ds:schemaRefs>
-</ds:datastoreItem>
-</file>
-
-<file path=customXml/itemProps54.xml><?xml version="1.0" encoding="utf-8"?>
-<ds:datastoreItem xmlns:ds="http://schemas.openxmlformats.org/officeDocument/2006/customXml" ds:itemID="{13E4BFF2-1CFA-432B-840C-3BA360889B36}">
-  <ds:schemaRefs>
-    <ds:schemaRef ds:uri="http://schemas.microsoft.com/VisualStudio/2011/storyboarding/control"/>
-  </ds:schemaRefs>
-</ds:datastoreItem>
-</file>
-
-<file path=customXml/itemProps55.xml><?xml version="1.0" encoding="utf-8"?>
+<file path=customXml/itemProps68.xml><?xml version="1.0" encoding="utf-8"?>
 <ds:datastoreItem xmlns:ds="http://schemas.openxmlformats.org/officeDocument/2006/customXml" ds:itemID="{E61B6A99-6F14-4BE2-85FA-A89C2D1CC66D}">
   <ds:schemaRefs>
     <ds:schemaRef ds:uri="http://schemas.microsoft.com/VisualStudio/2011/storyboarding/control"/>
@@ -31089,95 +31209,15 @@
 </ds:datastoreItem>
 </file>
 
-<file path=customXml/itemProps56.xml><?xml version="1.0" encoding="utf-8"?>
-<ds:datastoreItem xmlns:ds="http://schemas.openxmlformats.org/officeDocument/2006/customXml" ds:itemID="{77EC1E31-86D8-4185-A506-A81CC4150A00}">
+<file path=customXml/itemProps69.xml><?xml version="1.0" encoding="utf-8"?>
+<ds:datastoreItem xmlns:ds="http://schemas.openxmlformats.org/officeDocument/2006/customXml" ds:itemID="{69DB73AB-0AE0-4E13-9E40-C5BAAAF34461}">
   <ds:schemaRefs>
     <ds:schemaRef ds:uri="http://schemas.microsoft.com/VisualStudio/2011/storyboarding/control"/>
   </ds:schemaRefs>
 </ds:datastoreItem>
 </file>
 
-<file path=customXml/itemProps57.xml><?xml version="1.0" encoding="utf-8"?>
-<ds:datastoreItem xmlns:ds="http://schemas.openxmlformats.org/officeDocument/2006/customXml" ds:itemID="{A97B56FF-11E5-4749-B837-5FAEE0F9D3CE}">
-  <ds:schemaRefs>
-    <ds:schemaRef ds:uri="http://schemas.microsoft.com/VisualStudio/2011/storyboarding/control"/>
-  </ds:schemaRefs>
-</ds:datastoreItem>
-</file>
-
-<file path=customXml/itemProps58.xml><?xml version="1.0" encoding="utf-8"?>
-<ds:datastoreItem xmlns:ds="http://schemas.openxmlformats.org/officeDocument/2006/customXml" ds:itemID="{25B8E558-DEC9-4781-8B10-4C1C7220200F}">
-  <ds:schemaRefs>
-    <ds:schemaRef ds:uri="http://schemas.microsoft.com/VisualStudio/2011/storyboarding/control"/>
-  </ds:schemaRefs>
-</ds:datastoreItem>
-</file>
-
-<file path=customXml/itemProps59.xml><?xml version="1.0" encoding="utf-8"?>
-<ds:datastoreItem xmlns:ds="http://schemas.openxmlformats.org/officeDocument/2006/customXml" ds:itemID="{5E042AEA-D1FB-489B-BEB7-D00CA5A8B825}">
-  <ds:schemaRefs>
-    <ds:schemaRef ds:uri="http://schemas.microsoft.com/VisualStudio/2011/storyboarding/control"/>
-  </ds:schemaRefs>
-</ds:datastoreItem>
-</file>
-
-<file path=customXml/itemProps6.xml><?xml version="1.0" encoding="utf-8"?>
-<ds:datastoreItem xmlns:ds="http://schemas.openxmlformats.org/officeDocument/2006/customXml" ds:itemID="{D7773116-5A12-41AD-BC75-5C2115801DBC}">
-  <ds:schemaRefs>
-    <ds:schemaRef ds:uri="http://schemas.microsoft.com/VisualStudio/2011/storyboarding/control"/>
-  </ds:schemaRefs>
-</ds:datastoreItem>
-</file>
-
-<file path=customXml/itemProps60.xml><?xml version="1.0" encoding="utf-8"?>
-<ds:datastoreItem xmlns:ds="http://schemas.openxmlformats.org/officeDocument/2006/customXml" ds:itemID="{F4139A75-875E-4BC7-8B00-6A0DC000D3A7}">
-  <ds:schemaRefs>
-    <ds:schemaRef ds:uri="http://schemas.microsoft.com/VisualStudio/2011/storyboarding/control"/>
-  </ds:schemaRefs>
-</ds:datastoreItem>
-</file>
-
-<file path=customXml/itemProps61.xml><?xml version="1.0" encoding="utf-8"?>
-<ds:datastoreItem xmlns:ds="http://schemas.openxmlformats.org/officeDocument/2006/customXml" ds:itemID="{2348D8A8-4BC6-493E-BFAF-611C36BFAEC0}">
-  <ds:schemaRefs>
-    <ds:schemaRef ds:uri="http://schemas.microsoft.com/VisualStudio/2011/storyboarding/control"/>
-  </ds:schemaRefs>
-</ds:datastoreItem>
-</file>
-
-<file path=customXml/itemProps62.xml><?xml version="1.0" encoding="utf-8"?>
-<ds:datastoreItem xmlns:ds="http://schemas.openxmlformats.org/officeDocument/2006/customXml" ds:itemID="{880A6C00-FE78-4F89-94BB-2FEB609F4F97}">
-  <ds:schemaRefs>
-    <ds:schemaRef ds:uri="http://schemas.microsoft.com/VisualStudio/2011/storyboarding/control"/>
-  </ds:schemaRefs>
-</ds:datastoreItem>
-</file>
-
-<file path=customXml/itemProps63.xml><?xml version="1.0" encoding="utf-8"?>
-<ds:datastoreItem xmlns:ds="http://schemas.openxmlformats.org/officeDocument/2006/customXml" ds:itemID="{DA6F9031-5389-4A8D-9470-74683C10F7EE}">
-  <ds:schemaRefs>
-    <ds:schemaRef ds:uri="http://schemas.microsoft.com/VisualStudio/2011/storyboarding/control"/>
-  </ds:schemaRefs>
-</ds:datastoreItem>
-</file>
-
-<file path=customXml/itemProps64.xml><?xml version="1.0" encoding="utf-8"?>
-<ds:datastoreItem xmlns:ds="http://schemas.openxmlformats.org/officeDocument/2006/customXml" ds:itemID="{701A5B1E-6C54-4140-96D4-F7CAA24113C0}">
-  <ds:schemaRefs>
-    <ds:schemaRef ds:uri="http://schemas.microsoft.com/VisualStudio/2011/storyboarding/control"/>
-  </ds:schemaRefs>
-</ds:datastoreItem>
-</file>
-
-<file path=customXml/itemProps65.xml><?xml version="1.0" encoding="utf-8"?>
-<ds:datastoreItem xmlns:ds="http://schemas.openxmlformats.org/officeDocument/2006/customXml" ds:itemID="{0DE4A7B5-2A6F-4719-9F2D-11F94D0ECAE0}">
-  <ds:schemaRefs>
-    <ds:schemaRef ds:uri="http://schemas.microsoft.com/VisualStudio/2011/storyboarding/control"/>
-  </ds:schemaRefs>
-</ds:datastoreItem>
-</file>
-
-<file path=customXml/itemProps66.xml><?xml version="1.0" encoding="utf-8"?>
+<file path=customXml/itemProps7.xml><?xml version="1.0" encoding="utf-8"?>
 <ds:datastoreItem xmlns:ds="http://schemas.openxmlformats.org/officeDocument/2006/customXml" ds:itemID="{5B4B464D-5C65-4906-AC9B-1C59FACB647E}">
   <ds:schemaRefs>
     <ds:schemaRef ds:uri="http://schemas.microsoft.com/VisualStudio/2011/storyboarding/control"/>
@@ -31185,40 +31225,8 @@
 </ds:datastoreItem>
 </file>
 
-<file path=customXml/itemProps67.xml><?xml version="1.0" encoding="utf-8"?>
-<ds:datastoreItem xmlns:ds="http://schemas.openxmlformats.org/officeDocument/2006/customXml" ds:itemID="{7F86BD85-D01B-4090-902A-25BE05723735}">
-  <ds:schemaRefs>
-    <ds:schemaRef ds:uri="http://schemas.microsoft.com/VisualStudio/2011/storyboarding/control"/>
-  </ds:schemaRefs>
-</ds:datastoreItem>
-</file>
-
-<file path=customXml/itemProps68.xml><?xml version="1.0" encoding="utf-8"?>
-<ds:datastoreItem xmlns:ds="http://schemas.openxmlformats.org/officeDocument/2006/customXml" ds:itemID="{658C6CED-A033-46D0-AA41-B303820BA59B}">
-  <ds:schemaRefs>
-    <ds:schemaRef ds:uri="http://schemas.microsoft.com/VisualStudio/2011/storyboarding/control"/>
-  </ds:schemaRefs>
-</ds:datastoreItem>
-</file>
-
-<file path=customXml/itemProps69.xml><?xml version="1.0" encoding="utf-8"?>
-<ds:datastoreItem xmlns:ds="http://schemas.openxmlformats.org/officeDocument/2006/customXml" ds:itemID="{65300248-18AD-4E76-BD92-C03B72BEF756}">
-  <ds:schemaRefs>
-    <ds:schemaRef ds:uri="http://schemas.microsoft.com/VisualStudio/2011/storyboarding/control"/>
-  </ds:schemaRefs>
-</ds:datastoreItem>
-</file>
-
-<file path=customXml/itemProps7.xml><?xml version="1.0" encoding="utf-8"?>
+<file path=customXml/itemProps70.xml><?xml version="1.0" encoding="utf-8"?>
 <ds:datastoreItem xmlns:ds="http://schemas.openxmlformats.org/officeDocument/2006/customXml" ds:itemID="{5A140F77-95FE-4A30-A5E6-D85D00BDF9FD}">
-  <ds:schemaRefs>
-    <ds:schemaRef ds:uri="http://schemas.microsoft.com/VisualStudio/2011/storyboarding/control"/>
-  </ds:schemaRefs>
-</ds:datastoreItem>
-</file>
-
-<file path=customXml/itemProps70.xml><?xml version="1.0" encoding="utf-8"?>
-<ds:datastoreItem xmlns:ds="http://schemas.openxmlformats.org/officeDocument/2006/customXml" ds:itemID="{128FA518-2DB1-4A06-836A-039DDBB302CC}">
   <ds:schemaRefs>
     <ds:schemaRef ds:uri="http://schemas.microsoft.com/VisualStudio/2011/storyboarding/control"/>
   </ds:schemaRefs>
@@ -31234,7 +31242,7 @@
 </file>
 
 <file path=customXml/itemProps72.xml><?xml version="1.0" encoding="utf-8"?>
-<ds:datastoreItem xmlns:ds="http://schemas.openxmlformats.org/officeDocument/2006/customXml" ds:itemID="{68F190B0-B6F3-4465-8A4C-23644213B30B}">
+<ds:datastoreItem xmlns:ds="http://schemas.openxmlformats.org/officeDocument/2006/customXml" ds:itemID="{B5DA57E0-3142-4016-8E01-0A2EA7F11B16}">
   <ds:schemaRefs>
     <ds:schemaRef ds:uri="http://schemas.microsoft.com/VisualStudio/2011/storyboarding/control"/>
   </ds:schemaRefs>
@@ -31242,7 +31250,7 @@
 </file>
 
 <file path=customXml/itemProps73.xml><?xml version="1.0" encoding="utf-8"?>
-<ds:datastoreItem xmlns:ds="http://schemas.openxmlformats.org/officeDocument/2006/customXml" ds:itemID="{4D279ECD-CA83-422D-BF57-5A6A0D44A748}">
+<ds:datastoreItem xmlns:ds="http://schemas.openxmlformats.org/officeDocument/2006/customXml" ds:itemID="{2BFB0375-1847-4557-AFB0-F9C29B6E99A8}">
   <ds:schemaRefs>
     <ds:schemaRef ds:uri="http://schemas.microsoft.com/VisualStudio/2011/storyboarding/control"/>
   </ds:schemaRefs>
@@ -31250,6 +31258,54 @@
 </file>
 
 <file path=customXml/itemProps74.xml><?xml version="1.0" encoding="utf-8"?>
+<ds:datastoreItem xmlns:ds="http://schemas.openxmlformats.org/officeDocument/2006/customXml" ds:itemID="{40C0FD69-0935-4A73-8AED-3D53353DAD9D}">
+  <ds:schemaRefs>
+    <ds:schemaRef ds:uri="http://schemas.microsoft.com/VisualStudio/2011/storyboarding/control"/>
+  </ds:schemaRefs>
+</ds:datastoreItem>
+</file>
+
+<file path=customXml/itemProps75.xml><?xml version="1.0" encoding="utf-8"?>
+<ds:datastoreItem xmlns:ds="http://schemas.openxmlformats.org/officeDocument/2006/customXml" ds:itemID="{5C920521-90EC-4A1D-A2B4-742A313461BC}">
+  <ds:schemaRefs>
+    <ds:schemaRef ds:uri="http://schemas.microsoft.com/VisualStudio/2011/storyboarding/control"/>
+  </ds:schemaRefs>
+</ds:datastoreItem>
+</file>
+
+<file path=customXml/itemProps76.xml><?xml version="1.0" encoding="utf-8"?>
+<ds:datastoreItem xmlns:ds="http://schemas.openxmlformats.org/officeDocument/2006/customXml" ds:itemID="{DA6F9031-5389-4A8D-9470-74683C10F7EE}">
+  <ds:schemaRefs>
+    <ds:schemaRef ds:uri="http://schemas.microsoft.com/VisualStudio/2011/storyboarding/control"/>
+  </ds:schemaRefs>
+</ds:datastoreItem>
+</file>
+
+<file path=customXml/itemProps77.xml><?xml version="1.0" encoding="utf-8"?>
+<ds:datastoreItem xmlns:ds="http://schemas.openxmlformats.org/officeDocument/2006/customXml" ds:itemID="{658C6CED-A033-46D0-AA41-B303820BA59B}">
+  <ds:schemaRefs>
+    <ds:schemaRef ds:uri="http://schemas.microsoft.com/VisualStudio/2011/storyboarding/control"/>
+  </ds:schemaRefs>
+</ds:datastoreItem>
+</file>
+
+<file path=customXml/itemProps78.xml><?xml version="1.0" encoding="utf-8"?>
+<ds:datastoreItem xmlns:ds="http://schemas.openxmlformats.org/officeDocument/2006/customXml" ds:itemID="{586F082E-1DE9-4D66-A643-7BEA6E733C5B}">
+  <ds:schemaRefs>
+    <ds:schemaRef ds:uri="http://schemas.microsoft.com/VisualStudio/2011/storyboarding/control"/>
+  </ds:schemaRefs>
+</ds:datastoreItem>
+</file>
+
+<file path=customXml/itemProps79.xml><?xml version="1.0" encoding="utf-8"?>
+<ds:datastoreItem xmlns:ds="http://schemas.openxmlformats.org/officeDocument/2006/customXml" ds:itemID="{FE10CA70-6D59-4530-94EC-0F8BF32BA04E}">
+  <ds:schemaRefs>
+    <ds:schemaRef ds:uri="http://schemas.microsoft.com/VisualStudio/2011/storyboarding/control"/>
+  </ds:schemaRefs>
+</ds:datastoreItem>
+</file>
+
+<file path=customXml/itemProps8.xml><?xml version="1.0" encoding="utf-8"?>
 <ds:datastoreItem xmlns:ds="http://schemas.openxmlformats.org/officeDocument/2006/customXml" ds:itemID="{BEDBCD43-8964-4781-96E3-7A5782BB9883}">
   <ds:schemaRefs>
     <ds:schemaRef ds:uri="http://schemas.microsoft.com/VisualStudio/2011/storyboarding/control"/>
@@ -31257,56 +31313,8 @@
 </ds:datastoreItem>
 </file>
 
-<file path=customXml/itemProps75.xml><?xml version="1.0" encoding="utf-8"?>
-<ds:datastoreItem xmlns:ds="http://schemas.openxmlformats.org/officeDocument/2006/customXml" ds:itemID="{700F700C-6DEB-44A1-8E9C-6D60063C5ED2}">
-  <ds:schemaRefs>
-    <ds:schemaRef ds:uri="http://schemas.microsoft.com/VisualStudio/2011/storyboarding/control"/>
-  </ds:schemaRefs>
-</ds:datastoreItem>
-</file>
-
-<file path=customXml/itemProps76.xml><?xml version="1.0" encoding="utf-8"?>
-<ds:datastoreItem xmlns:ds="http://schemas.openxmlformats.org/officeDocument/2006/customXml" ds:itemID="{69DB73AB-0AE0-4E13-9E40-C5BAAAF34461}">
-  <ds:schemaRefs>
-    <ds:schemaRef ds:uri="http://schemas.microsoft.com/VisualStudio/2011/storyboarding/control"/>
-  </ds:schemaRefs>
-</ds:datastoreItem>
-</file>
-
-<file path=customXml/itemProps77.xml><?xml version="1.0" encoding="utf-8"?>
-<ds:datastoreItem xmlns:ds="http://schemas.openxmlformats.org/officeDocument/2006/customXml" ds:itemID="{079A8803-531C-4342-9473-03D0664FE298}">
-  <ds:schemaRefs>
-    <ds:schemaRef ds:uri="http://schemas.microsoft.com/VisualStudio/2011/storyboarding/control"/>
-  </ds:schemaRefs>
-</ds:datastoreItem>
-</file>
-
-<file path=customXml/itemProps78.xml><?xml version="1.0" encoding="utf-8"?>
-<ds:datastoreItem xmlns:ds="http://schemas.openxmlformats.org/officeDocument/2006/customXml" ds:itemID="{4B05CF34-BE47-4F9B-923D-0E19D23955BE}">
-  <ds:schemaRefs>
-    <ds:schemaRef ds:uri="http://schemas.microsoft.com/VisualStudio/2011/storyboarding/control"/>
-  </ds:schemaRefs>
-</ds:datastoreItem>
-</file>
-
-<file path=customXml/itemProps79.xml><?xml version="1.0" encoding="utf-8"?>
-<ds:datastoreItem xmlns:ds="http://schemas.openxmlformats.org/officeDocument/2006/customXml" ds:itemID="{D48F2595-3F6B-45AE-9929-CD2107FF58CF}">
-  <ds:schemaRefs>
-    <ds:schemaRef ds:uri="http://schemas.microsoft.com/VisualStudio/2011/storyboarding/control"/>
-  </ds:schemaRefs>
-</ds:datastoreItem>
-</file>
-
-<file path=customXml/itemProps8.xml><?xml version="1.0" encoding="utf-8"?>
-<ds:datastoreItem xmlns:ds="http://schemas.openxmlformats.org/officeDocument/2006/customXml" ds:itemID="{80F6A9B3-925F-45C1-9AB5-D9BA1649E52A}">
-  <ds:schemaRefs>
-    <ds:schemaRef ds:uri="http://schemas.microsoft.com/VisualStudio/2011/storyboarding/control"/>
-  </ds:schemaRefs>
-</ds:datastoreItem>
-</file>
-
 <file path=customXml/itemProps80.xml><?xml version="1.0" encoding="utf-8"?>
-<ds:datastoreItem xmlns:ds="http://schemas.openxmlformats.org/officeDocument/2006/customXml" ds:itemID="{23820C58-F488-4E35-9146-7B6DF2DCFA00}">
+<ds:datastoreItem xmlns:ds="http://schemas.openxmlformats.org/officeDocument/2006/customXml" ds:itemID="{B5379C81-E6D9-4FBF-B3DD-0C0C459CCA6E}">
   <ds:schemaRefs>
     <ds:schemaRef ds:uri="http://schemas.microsoft.com/VisualStudio/2011/storyboarding/control"/>
   </ds:schemaRefs>
@@ -31314,7 +31322,7 @@
 </file>
 
 <file path=customXml/itemProps81.xml><?xml version="1.0" encoding="utf-8"?>
-<ds:datastoreItem xmlns:ds="http://schemas.openxmlformats.org/officeDocument/2006/customXml" ds:itemID="{1821033B-FFF4-41A4-942C-7FBD679EF182}">
+<ds:datastoreItem xmlns:ds="http://schemas.openxmlformats.org/officeDocument/2006/customXml" ds:itemID="{E5349F04-D613-4377-92A0-6DE99D32C2B2}">
   <ds:schemaRefs>
     <ds:schemaRef ds:uri="http://schemas.microsoft.com/VisualStudio/2011/storyboarding/control"/>
   </ds:schemaRefs>
@@ -31322,7 +31330,7 @@
 </file>
 
 <file path=customXml/itemProps82.xml><?xml version="1.0" encoding="utf-8"?>
-<ds:datastoreItem xmlns:ds="http://schemas.openxmlformats.org/officeDocument/2006/customXml" ds:itemID="{A99C52AA-206C-4B08-87B0-8EE5EB7C61B0}">
+<ds:datastoreItem xmlns:ds="http://schemas.openxmlformats.org/officeDocument/2006/customXml" ds:itemID="{FFCE764E-ADF7-4ECB-BCE2-C9C0554EFE12}">
   <ds:schemaRefs>
     <ds:schemaRef ds:uri="http://schemas.microsoft.com/VisualStudio/2011/storyboarding/control"/>
   </ds:schemaRefs>
@@ -31330,7 +31338,7 @@
 </file>
 
 <file path=customXml/itemProps9.xml><?xml version="1.0" encoding="utf-8"?>
-<ds:datastoreItem xmlns:ds="http://schemas.openxmlformats.org/officeDocument/2006/customXml" ds:itemID="{0264357A-2160-44F9-9DB3-4CBFA2AA8632}">
+<ds:datastoreItem xmlns:ds="http://schemas.openxmlformats.org/officeDocument/2006/customXml" ds:itemID="{D48F2595-3F6B-45AE-9929-CD2107FF58CF}">
   <ds:schemaRefs>
     <ds:schemaRef ds:uri="http://schemas.microsoft.com/VisualStudio/2011/storyboarding/control"/>
   </ds:schemaRefs>
